--- a/notes/2024_next_notes_present.pptx
+++ b/notes/2024_next_notes_present.pptx
@@ -5,8 +5,11 @@
     <p:sldMasterId id="2147483648" r:id="rId1"/>
   </p:sldMasterIdLst>
   <p:sldIdLst>
-    <p:sldId id="275" r:id="rId2"/>
-    <p:sldId id="291" r:id="rId3"/>
+    <p:sldId id="266" r:id="rId2"/>
+    <p:sldId id="278" r:id="rId3"/>
+    <p:sldId id="279" r:id="rId4"/>
+    <p:sldId id="275" r:id="rId5"/>
+    <p:sldId id="291" r:id="rId6"/>
   </p:sldIdLst>
   <p:sldSz cx="12192000" cy="6858000"/>
   <p:notesSz cx="6858000" cy="9144000"/>
@@ -260,7 +263,7 @@
           <a:p>
             <a:fld id="{0271FF89-F4DD-4157-942E-E55131F7A6EB}" type="datetimeFigureOut">
               <a:rPr lang="en-US" smtClean="0"/>
-              <a:t>4/11/2024</a:t>
+              <a:t>6/6/2024</a:t>
             </a:fld>
             <a:endParaRPr lang="en-US"/>
           </a:p>
@@ -458,7 +461,7 @@
           <a:p>
             <a:fld id="{0271FF89-F4DD-4157-942E-E55131F7A6EB}" type="datetimeFigureOut">
               <a:rPr lang="en-US" smtClean="0"/>
-              <a:t>4/11/2024</a:t>
+              <a:t>6/6/2024</a:t>
             </a:fld>
             <a:endParaRPr lang="en-US"/>
           </a:p>
@@ -666,7 +669,7 @@
           <a:p>
             <a:fld id="{0271FF89-F4DD-4157-942E-E55131F7A6EB}" type="datetimeFigureOut">
               <a:rPr lang="en-US" smtClean="0"/>
-              <a:t>4/11/2024</a:t>
+              <a:t>6/6/2024</a:t>
             </a:fld>
             <a:endParaRPr lang="en-US"/>
           </a:p>
@@ -864,7 +867,7 @@
           <a:p>
             <a:fld id="{0271FF89-F4DD-4157-942E-E55131F7A6EB}" type="datetimeFigureOut">
               <a:rPr lang="en-US" smtClean="0"/>
-              <a:t>4/11/2024</a:t>
+              <a:t>6/6/2024</a:t>
             </a:fld>
             <a:endParaRPr lang="en-US"/>
           </a:p>
@@ -1139,7 +1142,7 @@
           <a:p>
             <a:fld id="{0271FF89-F4DD-4157-942E-E55131F7A6EB}" type="datetimeFigureOut">
               <a:rPr lang="en-US" smtClean="0"/>
-              <a:t>4/11/2024</a:t>
+              <a:t>6/6/2024</a:t>
             </a:fld>
             <a:endParaRPr lang="en-US"/>
           </a:p>
@@ -1404,7 +1407,7 @@
           <a:p>
             <a:fld id="{0271FF89-F4DD-4157-942E-E55131F7A6EB}" type="datetimeFigureOut">
               <a:rPr lang="en-US" smtClean="0"/>
-              <a:t>4/11/2024</a:t>
+              <a:t>6/6/2024</a:t>
             </a:fld>
             <a:endParaRPr lang="en-US"/>
           </a:p>
@@ -1816,7 +1819,7 @@
           <a:p>
             <a:fld id="{0271FF89-F4DD-4157-942E-E55131F7A6EB}" type="datetimeFigureOut">
               <a:rPr lang="en-US" smtClean="0"/>
-              <a:t>4/11/2024</a:t>
+              <a:t>6/6/2024</a:t>
             </a:fld>
             <a:endParaRPr lang="en-US"/>
           </a:p>
@@ -1957,7 +1960,7 @@
           <a:p>
             <a:fld id="{0271FF89-F4DD-4157-942E-E55131F7A6EB}" type="datetimeFigureOut">
               <a:rPr lang="en-US" smtClean="0"/>
-              <a:t>4/11/2024</a:t>
+              <a:t>6/6/2024</a:t>
             </a:fld>
             <a:endParaRPr lang="en-US"/>
           </a:p>
@@ -2070,7 +2073,7 @@
           <a:p>
             <a:fld id="{0271FF89-F4DD-4157-942E-E55131F7A6EB}" type="datetimeFigureOut">
               <a:rPr lang="en-US" smtClean="0"/>
-              <a:t>4/11/2024</a:t>
+              <a:t>6/6/2024</a:t>
             </a:fld>
             <a:endParaRPr lang="en-US"/>
           </a:p>
@@ -2381,7 +2384,7 @@
           <a:p>
             <a:fld id="{0271FF89-F4DD-4157-942E-E55131F7A6EB}" type="datetimeFigureOut">
               <a:rPr lang="en-US" smtClean="0"/>
-              <a:t>4/11/2024</a:t>
+              <a:t>6/6/2024</a:t>
             </a:fld>
             <a:endParaRPr lang="en-US"/>
           </a:p>
@@ -2669,7 +2672,7 @@
           <a:p>
             <a:fld id="{0271FF89-F4DD-4157-942E-E55131F7A6EB}" type="datetimeFigureOut">
               <a:rPr lang="en-US" smtClean="0"/>
-              <a:t>4/11/2024</a:t>
+              <a:t>6/6/2024</a:t>
             </a:fld>
             <a:endParaRPr lang="en-US"/>
           </a:p>
@@ -2910,7 +2913,7 @@
           <a:p>
             <a:fld id="{0271FF89-F4DD-4157-942E-E55131F7A6EB}" type="datetimeFigureOut">
               <a:rPr lang="en-US" smtClean="0"/>
-              <a:t>4/11/2024</a:t>
+              <a:t>6/6/2024</a:t>
             </a:fld>
             <a:endParaRPr lang="en-US"/>
           </a:p>
@@ -3327,6 +3330,3501 @@
           <a:chExt cx="0" cy="0"/>
         </a:xfrm>
       </p:grpSpPr>
+      <p:cxnSp>
+        <p:nvCxnSpPr>
+          <p:cNvPr id="3" name="Straight Arrow Connector 2">
+            <a:extLst>
+              <a:ext uri="{FF2B5EF4-FFF2-40B4-BE49-F238E27FC236}">
+                <a16:creationId xmlns:a16="http://schemas.microsoft.com/office/drawing/2014/main" id="{878B0E2E-CB8C-41CF-5472-E33425525D82}"/>
+              </a:ext>
+            </a:extLst>
+          </p:cNvPr>
+          <p:cNvCxnSpPr>
+            <a:cxnSpLocks/>
+            <a:stCxn id="2" idx="0"/>
+            <a:endCxn id="29" idx="2"/>
+          </p:cNvCxnSpPr>
+          <p:nvPr/>
+        </p:nvCxnSpPr>
+        <p:spPr>
+          <a:xfrm flipV="1">
+            <a:off x="6688928" y="4464796"/>
+            <a:ext cx="797" cy="719809"/>
+          </a:xfrm>
+          <a:prstGeom prst="straightConnector1">
+            <a:avLst/>
+          </a:prstGeom>
+          <a:ln w="38100">
+            <a:solidFill>
+              <a:schemeClr val="tx1"/>
+            </a:solidFill>
+            <a:tailEnd type="stealth" w="lg" len="lg"/>
+          </a:ln>
+        </p:spPr>
+        <p:style>
+          <a:lnRef idx="1">
+            <a:schemeClr val="accent1"/>
+          </a:lnRef>
+          <a:fillRef idx="0">
+            <a:schemeClr val="accent1"/>
+          </a:fillRef>
+          <a:effectRef idx="0">
+            <a:schemeClr val="accent1"/>
+          </a:effectRef>
+          <a:fontRef idx="minor">
+            <a:schemeClr val="tx1"/>
+          </a:fontRef>
+        </p:style>
+      </p:cxnSp>
+      <p:sp>
+        <p:nvSpPr>
+          <p:cNvPr id="30" name="Rectangle 29">
+            <a:extLst>
+              <a:ext uri="{FF2B5EF4-FFF2-40B4-BE49-F238E27FC236}">
+                <a16:creationId xmlns:a16="http://schemas.microsoft.com/office/drawing/2014/main" id="{D40496CB-12A7-AD47-7F82-5B6B2AFC708B}"/>
+              </a:ext>
+            </a:extLst>
+          </p:cNvPr>
+          <p:cNvSpPr/>
+          <p:nvPr/>
+        </p:nvSpPr>
+        <p:spPr>
+          <a:xfrm>
+            <a:off x="1727200" y="1031280"/>
+            <a:ext cx="393700" cy="711200"/>
+          </a:xfrm>
+          <a:prstGeom prst="rect">
+            <a:avLst/>
+          </a:prstGeom>
+          <a:solidFill>
+            <a:schemeClr val="accent4">
+              <a:lumMod val="75000"/>
+            </a:schemeClr>
+          </a:solidFill>
+          <a:ln>
+            <a:noFill/>
+          </a:ln>
+        </p:spPr>
+        <p:style>
+          <a:lnRef idx="2">
+            <a:schemeClr val="accent1">
+              <a:shade val="15000"/>
+            </a:schemeClr>
+          </a:lnRef>
+          <a:fillRef idx="1">
+            <a:schemeClr val="accent1"/>
+          </a:fillRef>
+          <a:effectRef idx="0">
+            <a:schemeClr val="accent1"/>
+          </a:effectRef>
+          <a:fontRef idx="minor">
+            <a:schemeClr val="lt1"/>
+          </a:fontRef>
+        </p:style>
+        <p:txBody>
+          <a:bodyPr rtlCol="0" anchor="ctr"/>
+          <a:lstStyle/>
+          <a:p>
+            <a:pPr algn="ctr"/>
+            <a:endParaRPr lang="en-US"/>
+          </a:p>
+        </p:txBody>
+      </p:sp>
+      <p:sp>
+        <p:nvSpPr>
+          <p:cNvPr id="31" name="Rectangle 30">
+            <a:extLst>
+              <a:ext uri="{FF2B5EF4-FFF2-40B4-BE49-F238E27FC236}">
+                <a16:creationId xmlns:a16="http://schemas.microsoft.com/office/drawing/2014/main" id="{62083DAB-0E4C-B7EC-7F6D-FE5C83ED3DCE}"/>
+              </a:ext>
+            </a:extLst>
+          </p:cNvPr>
+          <p:cNvSpPr/>
+          <p:nvPr/>
+        </p:nvSpPr>
+        <p:spPr>
+          <a:xfrm>
+            <a:off x="2228850" y="1031280"/>
+            <a:ext cx="393700" cy="711200"/>
+          </a:xfrm>
+          <a:prstGeom prst="rect">
+            <a:avLst/>
+          </a:prstGeom>
+          <a:solidFill>
+            <a:schemeClr val="accent4">
+              <a:lumMod val="75000"/>
+            </a:schemeClr>
+          </a:solidFill>
+          <a:ln>
+            <a:noFill/>
+          </a:ln>
+        </p:spPr>
+        <p:style>
+          <a:lnRef idx="2">
+            <a:schemeClr val="accent1">
+              <a:shade val="15000"/>
+            </a:schemeClr>
+          </a:lnRef>
+          <a:fillRef idx="1">
+            <a:schemeClr val="accent1"/>
+          </a:fillRef>
+          <a:effectRef idx="0">
+            <a:schemeClr val="accent1"/>
+          </a:effectRef>
+          <a:fontRef idx="minor">
+            <a:schemeClr val="lt1"/>
+          </a:fontRef>
+        </p:style>
+        <p:txBody>
+          <a:bodyPr rtlCol="0" anchor="ctr"/>
+          <a:lstStyle/>
+          <a:p>
+            <a:pPr algn="ctr"/>
+            <a:endParaRPr lang="en-US"/>
+          </a:p>
+        </p:txBody>
+      </p:sp>
+      <p:sp>
+        <p:nvSpPr>
+          <p:cNvPr id="32" name="Rectangle 31">
+            <a:extLst>
+              <a:ext uri="{FF2B5EF4-FFF2-40B4-BE49-F238E27FC236}">
+                <a16:creationId xmlns:a16="http://schemas.microsoft.com/office/drawing/2014/main" id="{A5527BFD-3EAE-F580-C080-E6A24B1E031D}"/>
+              </a:ext>
+            </a:extLst>
+          </p:cNvPr>
+          <p:cNvSpPr/>
+          <p:nvPr/>
+        </p:nvSpPr>
+        <p:spPr>
+          <a:xfrm>
+            <a:off x="2730500" y="1031280"/>
+            <a:ext cx="393700" cy="711200"/>
+          </a:xfrm>
+          <a:prstGeom prst="rect">
+            <a:avLst/>
+          </a:prstGeom>
+          <a:solidFill>
+            <a:schemeClr val="accent4">
+              <a:lumMod val="75000"/>
+            </a:schemeClr>
+          </a:solidFill>
+          <a:ln>
+            <a:noFill/>
+          </a:ln>
+        </p:spPr>
+        <p:style>
+          <a:lnRef idx="2">
+            <a:schemeClr val="accent1">
+              <a:shade val="15000"/>
+            </a:schemeClr>
+          </a:lnRef>
+          <a:fillRef idx="1">
+            <a:schemeClr val="accent1"/>
+          </a:fillRef>
+          <a:effectRef idx="0">
+            <a:schemeClr val="accent1"/>
+          </a:effectRef>
+          <a:fontRef idx="minor">
+            <a:schemeClr val="lt1"/>
+          </a:fontRef>
+        </p:style>
+        <p:txBody>
+          <a:bodyPr rtlCol="0" anchor="ctr"/>
+          <a:lstStyle/>
+          <a:p>
+            <a:pPr algn="ctr"/>
+            <a:endParaRPr lang="en-US"/>
+          </a:p>
+        </p:txBody>
+      </p:sp>
+      <p:sp>
+        <p:nvSpPr>
+          <p:cNvPr id="33" name="Rectangle 32">
+            <a:extLst>
+              <a:ext uri="{FF2B5EF4-FFF2-40B4-BE49-F238E27FC236}">
+                <a16:creationId xmlns:a16="http://schemas.microsoft.com/office/drawing/2014/main" id="{95923708-F1D2-B114-2536-501CE33D6C4A}"/>
+              </a:ext>
+            </a:extLst>
+          </p:cNvPr>
+          <p:cNvSpPr/>
+          <p:nvPr/>
+        </p:nvSpPr>
+        <p:spPr>
+          <a:xfrm>
+            <a:off x="3232150" y="1031280"/>
+            <a:ext cx="393700" cy="711200"/>
+          </a:xfrm>
+          <a:prstGeom prst="rect">
+            <a:avLst/>
+          </a:prstGeom>
+          <a:solidFill>
+            <a:schemeClr val="accent4">
+              <a:lumMod val="75000"/>
+            </a:schemeClr>
+          </a:solidFill>
+          <a:ln>
+            <a:noFill/>
+          </a:ln>
+        </p:spPr>
+        <p:style>
+          <a:lnRef idx="2">
+            <a:schemeClr val="accent1">
+              <a:shade val="15000"/>
+            </a:schemeClr>
+          </a:lnRef>
+          <a:fillRef idx="1">
+            <a:schemeClr val="accent1"/>
+          </a:fillRef>
+          <a:effectRef idx="0">
+            <a:schemeClr val="accent1"/>
+          </a:effectRef>
+          <a:fontRef idx="minor">
+            <a:schemeClr val="lt1"/>
+          </a:fontRef>
+        </p:style>
+        <p:txBody>
+          <a:bodyPr rtlCol="0" anchor="ctr"/>
+          <a:lstStyle/>
+          <a:p>
+            <a:pPr algn="ctr"/>
+            <a:endParaRPr lang="en-US"/>
+          </a:p>
+        </p:txBody>
+      </p:sp>
+      <p:sp>
+        <p:nvSpPr>
+          <p:cNvPr id="34" name="Rectangle 33">
+            <a:extLst>
+              <a:ext uri="{FF2B5EF4-FFF2-40B4-BE49-F238E27FC236}">
+                <a16:creationId xmlns:a16="http://schemas.microsoft.com/office/drawing/2014/main" id="{D6464094-6A4F-B8F4-26A0-661854754000}"/>
+              </a:ext>
+            </a:extLst>
+          </p:cNvPr>
+          <p:cNvSpPr/>
+          <p:nvPr/>
+        </p:nvSpPr>
+        <p:spPr>
+          <a:xfrm>
+            <a:off x="3733800" y="1031280"/>
+            <a:ext cx="393700" cy="711200"/>
+          </a:xfrm>
+          <a:prstGeom prst="rect">
+            <a:avLst/>
+          </a:prstGeom>
+          <a:solidFill>
+            <a:schemeClr val="accent4">
+              <a:lumMod val="75000"/>
+            </a:schemeClr>
+          </a:solidFill>
+          <a:ln>
+            <a:noFill/>
+          </a:ln>
+        </p:spPr>
+        <p:style>
+          <a:lnRef idx="2">
+            <a:schemeClr val="accent1">
+              <a:shade val="15000"/>
+            </a:schemeClr>
+          </a:lnRef>
+          <a:fillRef idx="1">
+            <a:schemeClr val="accent1"/>
+          </a:fillRef>
+          <a:effectRef idx="0">
+            <a:schemeClr val="accent1"/>
+          </a:effectRef>
+          <a:fontRef idx="minor">
+            <a:schemeClr val="lt1"/>
+          </a:fontRef>
+        </p:style>
+        <p:txBody>
+          <a:bodyPr rtlCol="0" anchor="ctr"/>
+          <a:lstStyle/>
+          <a:p>
+            <a:pPr algn="ctr"/>
+            <a:endParaRPr lang="en-US"/>
+          </a:p>
+        </p:txBody>
+      </p:sp>
+      <p:sp>
+        <p:nvSpPr>
+          <p:cNvPr id="35" name="Rectangle 34">
+            <a:extLst>
+              <a:ext uri="{FF2B5EF4-FFF2-40B4-BE49-F238E27FC236}">
+                <a16:creationId xmlns:a16="http://schemas.microsoft.com/office/drawing/2014/main" id="{52C8D207-6D3B-4600-6393-DB9E7F030EDA}"/>
+              </a:ext>
+            </a:extLst>
+          </p:cNvPr>
+          <p:cNvSpPr/>
+          <p:nvPr/>
+        </p:nvSpPr>
+        <p:spPr>
+          <a:xfrm>
+            <a:off x="4235450" y="1031280"/>
+            <a:ext cx="393700" cy="711200"/>
+          </a:xfrm>
+          <a:prstGeom prst="rect">
+            <a:avLst/>
+          </a:prstGeom>
+          <a:solidFill>
+            <a:schemeClr val="accent4">
+              <a:lumMod val="75000"/>
+            </a:schemeClr>
+          </a:solidFill>
+          <a:ln>
+            <a:noFill/>
+          </a:ln>
+        </p:spPr>
+        <p:style>
+          <a:lnRef idx="2">
+            <a:schemeClr val="accent1">
+              <a:shade val="15000"/>
+            </a:schemeClr>
+          </a:lnRef>
+          <a:fillRef idx="1">
+            <a:schemeClr val="accent1"/>
+          </a:fillRef>
+          <a:effectRef idx="0">
+            <a:schemeClr val="accent1"/>
+          </a:effectRef>
+          <a:fontRef idx="minor">
+            <a:schemeClr val="lt1"/>
+          </a:fontRef>
+        </p:style>
+        <p:txBody>
+          <a:bodyPr rtlCol="0" anchor="ctr"/>
+          <a:lstStyle/>
+          <a:p>
+            <a:pPr algn="ctr"/>
+            <a:endParaRPr lang="en-US"/>
+          </a:p>
+        </p:txBody>
+      </p:sp>
+      <p:sp>
+        <p:nvSpPr>
+          <p:cNvPr id="36" name="Rectangle 35">
+            <a:extLst>
+              <a:ext uri="{FF2B5EF4-FFF2-40B4-BE49-F238E27FC236}">
+                <a16:creationId xmlns:a16="http://schemas.microsoft.com/office/drawing/2014/main" id="{21068332-FD3F-3126-29B9-740F2A7694A3}"/>
+              </a:ext>
+            </a:extLst>
+          </p:cNvPr>
+          <p:cNvSpPr/>
+          <p:nvPr/>
+        </p:nvSpPr>
+        <p:spPr>
+          <a:xfrm>
+            <a:off x="4737100" y="1031280"/>
+            <a:ext cx="393700" cy="711200"/>
+          </a:xfrm>
+          <a:prstGeom prst="rect">
+            <a:avLst/>
+          </a:prstGeom>
+          <a:solidFill>
+            <a:schemeClr val="accent4">
+              <a:lumMod val="75000"/>
+            </a:schemeClr>
+          </a:solidFill>
+          <a:ln>
+            <a:noFill/>
+          </a:ln>
+        </p:spPr>
+        <p:style>
+          <a:lnRef idx="2">
+            <a:schemeClr val="accent1">
+              <a:shade val="15000"/>
+            </a:schemeClr>
+          </a:lnRef>
+          <a:fillRef idx="1">
+            <a:schemeClr val="accent1"/>
+          </a:fillRef>
+          <a:effectRef idx="0">
+            <a:schemeClr val="accent1"/>
+          </a:effectRef>
+          <a:fontRef idx="minor">
+            <a:schemeClr val="lt1"/>
+          </a:fontRef>
+        </p:style>
+        <p:txBody>
+          <a:bodyPr rtlCol="0" anchor="ctr"/>
+          <a:lstStyle/>
+          <a:p>
+            <a:pPr algn="ctr"/>
+            <a:endParaRPr lang="en-US"/>
+          </a:p>
+        </p:txBody>
+      </p:sp>
+      <p:sp>
+        <p:nvSpPr>
+          <p:cNvPr id="37" name="Rectangle 36">
+            <a:extLst>
+              <a:ext uri="{FF2B5EF4-FFF2-40B4-BE49-F238E27FC236}">
+                <a16:creationId xmlns:a16="http://schemas.microsoft.com/office/drawing/2014/main" id="{C6236B27-0735-D15A-7A66-D9430A90AF3E}"/>
+              </a:ext>
+            </a:extLst>
+          </p:cNvPr>
+          <p:cNvSpPr/>
+          <p:nvPr/>
+        </p:nvSpPr>
+        <p:spPr>
+          <a:xfrm>
+            <a:off x="5238750" y="1031280"/>
+            <a:ext cx="393700" cy="711200"/>
+          </a:xfrm>
+          <a:prstGeom prst="rect">
+            <a:avLst/>
+          </a:prstGeom>
+          <a:solidFill>
+            <a:schemeClr val="accent4">
+              <a:lumMod val="75000"/>
+            </a:schemeClr>
+          </a:solidFill>
+          <a:ln>
+            <a:noFill/>
+          </a:ln>
+        </p:spPr>
+        <p:style>
+          <a:lnRef idx="2">
+            <a:schemeClr val="accent1">
+              <a:shade val="15000"/>
+            </a:schemeClr>
+          </a:lnRef>
+          <a:fillRef idx="1">
+            <a:schemeClr val="accent1"/>
+          </a:fillRef>
+          <a:effectRef idx="0">
+            <a:schemeClr val="accent1"/>
+          </a:effectRef>
+          <a:fontRef idx="minor">
+            <a:schemeClr val="lt1"/>
+          </a:fontRef>
+        </p:style>
+        <p:txBody>
+          <a:bodyPr rtlCol="0" anchor="ctr"/>
+          <a:lstStyle/>
+          <a:p>
+            <a:pPr algn="ctr"/>
+            <a:endParaRPr lang="en-US"/>
+          </a:p>
+        </p:txBody>
+      </p:sp>
+      <p:sp>
+        <p:nvSpPr>
+          <p:cNvPr id="38" name="Rectangle 37">
+            <a:extLst>
+              <a:ext uri="{FF2B5EF4-FFF2-40B4-BE49-F238E27FC236}">
+                <a16:creationId xmlns:a16="http://schemas.microsoft.com/office/drawing/2014/main" id="{9FADADCE-53C3-DDF4-F932-5B3F11470A91}"/>
+              </a:ext>
+            </a:extLst>
+          </p:cNvPr>
+          <p:cNvSpPr/>
+          <p:nvPr/>
+        </p:nvSpPr>
+        <p:spPr>
+          <a:xfrm>
+            <a:off x="5740400" y="1031280"/>
+            <a:ext cx="393700" cy="711200"/>
+          </a:xfrm>
+          <a:prstGeom prst="rect">
+            <a:avLst/>
+          </a:prstGeom>
+          <a:solidFill>
+            <a:schemeClr val="accent4">
+              <a:lumMod val="75000"/>
+            </a:schemeClr>
+          </a:solidFill>
+          <a:ln>
+            <a:noFill/>
+          </a:ln>
+        </p:spPr>
+        <p:style>
+          <a:lnRef idx="2">
+            <a:schemeClr val="accent1">
+              <a:shade val="15000"/>
+            </a:schemeClr>
+          </a:lnRef>
+          <a:fillRef idx="1">
+            <a:schemeClr val="accent1"/>
+          </a:fillRef>
+          <a:effectRef idx="0">
+            <a:schemeClr val="accent1"/>
+          </a:effectRef>
+          <a:fontRef idx="minor">
+            <a:schemeClr val="lt1"/>
+          </a:fontRef>
+        </p:style>
+        <p:txBody>
+          <a:bodyPr rtlCol="0" anchor="ctr"/>
+          <a:lstStyle/>
+          <a:p>
+            <a:pPr algn="ctr"/>
+            <a:endParaRPr lang="en-US"/>
+          </a:p>
+        </p:txBody>
+      </p:sp>
+      <p:sp>
+        <p:nvSpPr>
+          <p:cNvPr id="39" name="Rectangle 38">
+            <a:extLst>
+              <a:ext uri="{FF2B5EF4-FFF2-40B4-BE49-F238E27FC236}">
+                <a16:creationId xmlns:a16="http://schemas.microsoft.com/office/drawing/2014/main" id="{11A79C65-CD31-6493-4B76-A0DE9330D39D}"/>
+              </a:ext>
+            </a:extLst>
+          </p:cNvPr>
+          <p:cNvSpPr/>
+          <p:nvPr/>
+        </p:nvSpPr>
+        <p:spPr>
+          <a:xfrm>
+            <a:off x="6242050" y="1031280"/>
+            <a:ext cx="393700" cy="711200"/>
+          </a:xfrm>
+          <a:prstGeom prst="rect">
+            <a:avLst/>
+          </a:prstGeom>
+          <a:solidFill>
+            <a:schemeClr val="accent4">
+              <a:lumMod val="75000"/>
+            </a:schemeClr>
+          </a:solidFill>
+          <a:ln>
+            <a:noFill/>
+          </a:ln>
+        </p:spPr>
+        <p:style>
+          <a:lnRef idx="2">
+            <a:schemeClr val="accent1">
+              <a:shade val="15000"/>
+            </a:schemeClr>
+          </a:lnRef>
+          <a:fillRef idx="1">
+            <a:schemeClr val="accent1"/>
+          </a:fillRef>
+          <a:effectRef idx="0">
+            <a:schemeClr val="accent1"/>
+          </a:effectRef>
+          <a:fontRef idx="minor">
+            <a:schemeClr val="lt1"/>
+          </a:fontRef>
+        </p:style>
+        <p:txBody>
+          <a:bodyPr rtlCol="0" anchor="ctr"/>
+          <a:lstStyle/>
+          <a:p>
+            <a:pPr algn="ctr"/>
+            <a:endParaRPr lang="en-US"/>
+          </a:p>
+        </p:txBody>
+      </p:sp>
+      <p:sp>
+        <p:nvSpPr>
+          <p:cNvPr id="40" name="Rectangle 39">
+            <a:extLst>
+              <a:ext uri="{FF2B5EF4-FFF2-40B4-BE49-F238E27FC236}">
+                <a16:creationId xmlns:a16="http://schemas.microsoft.com/office/drawing/2014/main" id="{CA40B9E4-1043-C992-A236-BD28C614D882}"/>
+              </a:ext>
+            </a:extLst>
+          </p:cNvPr>
+          <p:cNvSpPr/>
+          <p:nvPr/>
+        </p:nvSpPr>
+        <p:spPr>
+          <a:xfrm>
+            <a:off x="6743700" y="1031280"/>
+            <a:ext cx="393700" cy="711200"/>
+          </a:xfrm>
+          <a:prstGeom prst="rect">
+            <a:avLst/>
+          </a:prstGeom>
+          <a:solidFill>
+            <a:schemeClr val="accent4">
+              <a:lumMod val="75000"/>
+            </a:schemeClr>
+          </a:solidFill>
+          <a:ln>
+            <a:noFill/>
+          </a:ln>
+        </p:spPr>
+        <p:style>
+          <a:lnRef idx="2">
+            <a:schemeClr val="accent1">
+              <a:shade val="15000"/>
+            </a:schemeClr>
+          </a:lnRef>
+          <a:fillRef idx="1">
+            <a:schemeClr val="accent1"/>
+          </a:fillRef>
+          <a:effectRef idx="0">
+            <a:schemeClr val="accent1"/>
+          </a:effectRef>
+          <a:fontRef idx="minor">
+            <a:schemeClr val="lt1"/>
+          </a:fontRef>
+        </p:style>
+        <p:txBody>
+          <a:bodyPr rtlCol="0" anchor="ctr"/>
+          <a:lstStyle/>
+          <a:p>
+            <a:pPr algn="ctr"/>
+            <a:endParaRPr lang="en-US"/>
+          </a:p>
+        </p:txBody>
+      </p:sp>
+      <p:sp>
+        <p:nvSpPr>
+          <p:cNvPr id="41" name="Rectangle 40">
+            <a:extLst>
+              <a:ext uri="{FF2B5EF4-FFF2-40B4-BE49-F238E27FC236}">
+                <a16:creationId xmlns:a16="http://schemas.microsoft.com/office/drawing/2014/main" id="{C32976DC-6517-9C4C-8D63-6944F726AA79}"/>
+              </a:ext>
+            </a:extLst>
+          </p:cNvPr>
+          <p:cNvSpPr/>
+          <p:nvPr/>
+        </p:nvSpPr>
+        <p:spPr>
+          <a:xfrm>
+            <a:off x="7245350" y="1031280"/>
+            <a:ext cx="393700" cy="711200"/>
+          </a:xfrm>
+          <a:prstGeom prst="rect">
+            <a:avLst/>
+          </a:prstGeom>
+          <a:solidFill>
+            <a:schemeClr val="accent4">
+              <a:lumMod val="75000"/>
+            </a:schemeClr>
+          </a:solidFill>
+          <a:ln>
+            <a:noFill/>
+          </a:ln>
+        </p:spPr>
+        <p:style>
+          <a:lnRef idx="2">
+            <a:schemeClr val="accent1">
+              <a:shade val="15000"/>
+            </a:schemeClr>
+          </a:lnRef>
+          <a:fillRef idx="1">
+            <a:schemeClr val="accent1"/>
+          </a:fillRef>
+          <a:effectRef idx="0">
+            <a:schemeClr val="accent1"/>
+          </a:effectRef>
+          <a:fontRef idx="minor">
+            <a:schemeClr val="lt1"/>
+          </a:fontRef>
+        </p:style>
+        <p:txBody>
+          <a:bodyPr rtlCol="0" anchor="ctr"/>
+          <a:lstStyle/>
+          <a:p>
+            <a:pPr algn="ctr"/>
+            <a:endParaRPr lang="en-US"/>
+          </a:p>
+        </p:txBody>
+      </p:sp>
+      <p:sp>
+        <p:nvSpPr>
+          <p:cNvPr id="42" name="Rectangle 41">
+            <a:extLst>
+              <a:ext uri="{FF2B5EF4-FFF2-40B4-BE49-F238E27FC236}">
+                <a16:creationId xmlns:a16="http://schemas.microsoft.com/office/drawing/2014/main" id="{F234CC7F-90BD-59C8-2A20-21448146DF15}"/>
+              </a:ext>
+            </a:extLst>
+          </p:cNvPr>
+          <p:cNvSpPr/>
+          <p:nvPr/>
+        </p:nvSpPr>
+        <p:spPr>
+          <a:xfrm>
+            <a:off x="7747000" y="1031280"/>
+            <a:ext cx="393700" cy="711200"/>
+          </a:xfrm>
+          <a:prstGeom prst="rect">
+            <a:avLst/>
+          </a:prstGeom>
+          <a:solidFill>
+            <a:schemeClr val="accent4">
+              <a:lumMod val="75000"/>
+            </a:schemeClr>
+          </a:solidFill>
+          <a:ln>
+            <a:noFill/>
+          </a:ln>
+        </p:spPr>
+        <p:style>
+          <a:lnRef idx="2">
+            <a:schemeClr val="accent1">
+              <a:shade val="15000"/>
+            </a:schemeClr>
+          </a:lnRef>
+          <a:fillRef idx="1">
+            <a:schemeClr val="accent1"/>
+          </a:fillRef>
+          <a:effectRef idx="0">
+            <a:schemeClr val="accent1"/>
+          </a:effectRef>
+          <a:fontRef idx="minor">
+            <a:schemeClr val="lt1"/>
+          </a:fontRef>
+        </p:style>
+        <p:txBody>
+          <a:bodyPr rtlCol="0" anchor="ctr"/>
+          <a:lstStyle/>
+          <a:p>
+            <a:pPr algn="ctr"/>
+            <a:endParaRPr lang="en-US"/>
+          </a:p>
+        </p:txBody>
+      </p:sp>
+      <p:sp>
+        <p:nvSpPr>
+          <p:cNvPr id="43" name="Rectangle 42">
+            <a:extLst>
+              <a:ext uri="{FF2B5EF4-FFF2-40B4-BE49-F238E27FC236}">
+                <a16:creationId xmlns:a16="http://schemas.microsoft.com/office/drawing/2014/main" id="{C325E3EA-C86F-0D1C-2684-9C048EA9A30F}"/>
+              </a:ext>
+            </a:extLst>
+          </p:cNvPr>
+          <p:cNvSpPr/>
+          <p:nvPr/>
+        </p:nvSpPr>
+        <p:spPr>
+          <a:xfrm>
+            <a:off x="8248650" y="1031280"/>
+            <a:ext cx="393700" cy="711200"/>
+          </a:xfrm>
+          <a:prstGeom prst="rect">
+            <a:avLst/>
+          </a:prstGeom>
+          <a:solidFill>
+            <a:schemeClr val="accent4">
+              <a:lumMod val="75000"/>
+            </a:schemeClr>
+          </a:solidFill>
+          <a:ln>
+            <a:noFill/>
+          </a:ln>
+        </p:spPr>
+        <p:style>
+          <a:lnRef idx="2">
+            <a:schemeClr val="accent1">
+              <a:shade val="15000"/>
+            </a:schemeClr>
+          </a:lnRef>
+          <a:fillRef idx="1">
+            <a:schemeClr val="accent1"/>
+          </a:fillRef>
+          <a:effectRef idx="0">
+            <a:schemeClr val="accent1"/>
+          </a:effectRef>
+          <a:fontRef idx="minor">
+            <a:schemeClr val="lt1"/>
+          </a:fontRef>
+        </p:style>
+        <p:txBody>
+          <a:bodyPr rtlCol="0" anchor="ctr"/>
+          <a:lstStyle/>
+          <a:p>
+            <a:pPr algn="ctr"/>
+            <a:endParaRPr lang="en-US"/>
+          </a:p>
+        </p:txBody>
+      </p:sp>
+      <p:sp>
+        <p:nvSpPr>
+          <p:cNvPr id="44" name="Rectangle 43">
+            <a:extLst>
+              <a:ext uri="{FF2B5EF4-FFF2-40B4-BE49-F238E27FC236}">
+                <a16:creationId xmlns:a16="http://schemas.microsoft.com/office/drawing/2014/main" id="{18BAA3C2-6636-A3A1-FA9B-8D70B34C506D}"/>
+              </a:ext>
+            </a:extLst>
+          </p:cNvPr>
+          <p:cNvSpPr/>
+          <p:nvPr/>
+        </p:nvSpPr>
+        <p:spPr>
+          <a:xfrm>
+            <a:off x="8750300" y="1031280"/>
+            <a:ext cx="393700" cy="711200"/>
+          </a:xfrm>
+          <a:prstGeom prst="rect">
+            <a:avLst/>
+          </a:prstGeom>
+          <a:solidFill>
+            <a:schemeClr val="accent4">
+              <a:lumMod val="75000"/>
+            </a:schemeClr>
+          </a:solidFill>
+          <a:ln>
+            <a:noFill/>
+          </a:ln>
+        </p:spPr>
+        <p:style>
+          <a:lnRef idx="2">
+            <a:schemeClr val="accent1">
+              <a:shade val="15000"/>
+            </a:schemeClr>
+          </a:lnRef>
+          <a:fillRef idx="1">
+            <a:schemeClr val="accent1"/>
+          </a:fillRef>
+          <a:effectRef idx="0">
+            <a:schemeClr val="accent1"/>
+          </a:effectRef>
+          <a:fontRef idx="minor">
+            <a:schemeClr val="lt1"/>
+          </a:fontRef>
+        </p:style>
+        <p:txBody>
+          <a:bodyPr rtlCol="0" anchor="ctr"/>
+          <a:lstStyle/>
+          <a:p>
+            <a:pPr algn="ctr"/>
+            <a:endParaRPr lang="en-US"/>
+          </a:p>
+        </p:txBody>
+      </p:sp>
+      <p:sp>
+        <p:nvSpPr>
+          <p:cNvPr id="45" name="Rectangle 44">
+            <a:extLst>
+              <a:ext uri="{FF2B5EF4-FFF2-40B4-BE49-F238E27FC236}">
+                <a16:creationId xmlns:a16="http://schemas.microsoft.com/office/drawing/2014/main" id="{CEA19817-0FC4-FE92-618B-0BC143ADD821}"/>
+              </a:ext>
+            </a:extLst>
+          </p:cNvPr>
+          <p:cNvSpPr/>
+          <p:nvPr/>
+        </p:nvSpPr>
+        <p:spPr>
+          <a:xfrm>
+            <a:off x="9251950" y="1031280"/>
+            <a:ext cx="393700" cy="711200"/>
+          </a:xfrm>
+          <a:prstGeom prst="rect">
+            <a:avLst/>
+          </a:prstGeom>
+          <a:solidFill>
+            <a:schemeClr val="accent4">
+              <a:lumMod val="75000"/>
+            </a:schemeClr>
+          </a:solidFill>
+          <a:ln>
+            <a:noFill/>
+          </a:ln>
+        </p:spPr>
+        <p:style>
+          <a:lnRef idx="2">
+            <a:schemeClr val="accent1">
+              <a:shade val="15000"/>
+            </a:schemeClr>
+          </a:lnRef>
+          <a:fillRef idx="1">
+            <a:schemeClr val="accent1"/>
+          </a:fillRef>
+          <a:effectRef idx="0">
+            <a:schemeClr val="accent1"/>
+          </a:effectRef>
+          <a:fontRef idx="minor">
+            <a:schemeClr val="lt1"/>
+          </a:fontRef>
+        </p:style>
+        <p:txBody>
+          <a:bodyPr rtlCol="0" anchor="ctr"/>
+          <a:lstStyle/>
+          <a:p>
+            <a:pPr algn="ctr"/>
+            <a:endParaRPr lang="en-US"/>
+          </a:p>
+        </p:txBody>
+      </p:sp>
+      <p:sp>
+        <p:nvSpPr>
+          <p:cNvPr id="46" name="Rectangle 45">
+            <a:extLst>
+              <a:ext uri="{FF2B5EF4-FFF2-40B4-BE49-F238E27FC236}">
+                <a16:creationId xmlns:a16="http://schemas.microsoft.com/office/drawing/2014/main" id="{DFAA6EDC-E311-5425-FC47-364389F8986A}"/>
+              </a:ext>
+            </a:extLst>
+          </p:cNvPr>
+          <p:cNvSpPr/>
+          <p:nvPr/>
+        </p:nvSpPr>
+        <p:spPr>
+          <a:xfrm>
+            <a:off x="9753600" y="1031280"/>
+            <a:ext cx="393700" cy="711200"/>
+          </a:xfrm>
+          <a:prstGeom prst="rect">
+            <a:avLst/>
+          </a:prstGeom>
+          <a:solidFill>
+            <a:schemeClr val="accent4">
+              <a:lumMod val="75000"/>
+            </a:schemeClr>
+          </a:solidFill>
+          <a:ln>
+            <a:noFill/>
+          </a:ln>
+        </p:spPr>
+        <p:style>
+          <a:lnRef idx="2">
+            <a:schemeClr val="accent1">
+              <a:shade val="15000"/>
+            </a:schemeClr>
+          </a:lnRef>
+          <a:fillRef idx="1">
+            <a:schemeClr val="accent1"/>
+          </a:fillRef>
+          <a:effectRef idx="0">
+            <a:schemeClr val="accent1"/>
+          </a:effectRef>
+          <a:fontRef idx="minor">
+            <a:schemeClr val="lt1"/>
+          </a:fontRef>
+        </p:style>
+        <p:txBody>
+          <a:bodyPr rtlCol="0" anchor="ctr"/>
+          <a:lstStyle/>
+          <a:p>
+            <a:pPr algn="ctr"/>
+            <a:endParaRPr lang="en-US"/>
+          </a:p>
+        </p:txBody>
+      </p:sp>
+      <p:sp>
+        <p:nvSpPr>
+          <p:cNvPr id="47" name="Rectangle 46">
+            <a:extLst>
+              <a:ext uri="{FF2B5EF4-FFF2-40B4-BE49-F238E27FC236}">
+                <a16:creationId xmlns:a16="http://schemas.microsoft.com/office/drawing/2014/main" id="{4BEA2DE6-4C01-EE21-490B-BFBA2C22212B}"/>
+              </a:ext>
+            </a:extLst>
+          </p:cNvPr>
+          <p:cNvSpPr/>
+          <p:nvPr/>
+        </p:nvSpPr>
+        <p:spPr>
+          <a:xfrm>
+            <a:off x="10255250" y="1031280"/>
+            <a:ext cx="393700" cy="711200"/>
+          </a:xfrm>
+          <a:prstGeom prst="rect">
+            <a:avLst/>
+          </a:prstGeom>
+          <a:solidFill>
+            <a:schemeClr val="accent4">
+              <a:lumMod val="75000"/>
+            </a:schemeClr>
+          </a:solidFill>
+          <a:ln>
+            <a:noFill/>
+          </a:ln>
+        </p:spPr>
+        <p:style>
+          <a:lnRef idx="2">
+            <a:schemeClr val="accent1">
+              <a:shade val="15000"/>
+            </a:schemeClr>
+          </a:lnRef>
+          <a:fillRef idx="1">
+            <a:schemeClr val="accent1"/>
+          </a:fillRef>
+          <a:effectRef idx="0">
+            <a:schemeClr val="accent1"/>
+          </a:effectRef>
+          <a:fontRef idx="minor">
+            <a:schemeClr val="lt1"/>
+          </a:fontRef>
+        </p:style>
+        <p:txBody>
+          <a:bodyPr rtlCol="0" anchor="ctr"/>
+          <a:lstStyle/>
+          <a:p>
+            <a:pPr algn="ctr"/>
+            <a:endParaRPr lang="en-US"/>
+          </a:p>
+        </p:txBody>
+      </p:sp>
+      <p:sp>
+        <p:nvSpPr>
+          <p:cNvPr id="48" name="Rectangle 47">
+            <a:extLst>
+              <a:ext uri="{FF2B5EF4-FFF2-40B4-BE49-F238E27FC236}">
+                <a16:creationId xmlns:a16="http://schemas.microsoft.com/office/drawing/2014/main" id="{B44926A0-82DF-F4CF-E9A8-2C711CD796D5}"/>
+              </a:ext>
+            </a:extLst>
+          </p:cNvPr>
+          <p:cNvSpPr/>
+          <p:nvPr/>
+        </p:nvSpPr>
+        <p:spPr>
+          <a:xfrm>
+            <a:off x="10756900" y="1031280"/>
+            <a:ext cx="393700" cy="711200"/>
+          </a:xfrm>
+          <a:prstGeom prst="rect">
+            <a:avLst/>
+          </a:prstGeom>
+          <a:solidFill>
+            <a:schemeClr val="accent4">
+              <a:lumMod val="75000"/>
+            </a:schemeClr>
+          </a:solidFill>
+          <a:ln>
+            <a:noFill/>
+          </a:ln>
+        </p:spPr>
+        <p:style>
+          <a:lnRef idx="2">
+            <a:schemeClr val="accent1">
+              <a:shade val="15000"/>
+            </a:schemeClr>
+          </a:lnRef>
+          <a:fillRef idx="1">
+            <a:schemeClr val="accent1"/>
+          </a:fillRef>
+          <a:effectRef idx="0">
+            <a:schemeClr val="accent1"/>
+          </a:effectRef>
+          <a:fontRef idx="minor">
+            <a:schemeClr val="lt1"/>
+          </a:fontRef>
+        </p:style>
+        <p:txBody>
+          <a:bodyPr rtlCol="0" anchor="ctr"/>
+          <a:lstStyle/>
+          <a:p>
+            <a:pPr algn="ctr"/>
+            <a:endParaRPr lang="en-US"/>
+          </a:p>
+        </p:txBody>
+      </p:sp>
+      <p:sp>
+        <p:nvSpPr>
+          <p:cNvPr id="49" name="Rectangle 48">
+            <a:extLst>
+              <a:ext uri="{FF2B5EF4-FFF2-40B4-BE49-F238E27FC236}">
+                <a16:creationId xmlns:a16="http://schemas.microsoft.com/office/drawing/2014/main" id="{784C36A2-D384-32FE-DF5D-B04A10204F2B}"/>
+              </a:ext>
+            </a:extLst>
+          </p:cNvPr>
+          <p:cNvSpPr/>
+          <p:nvPr/>
+        </p:nvSpPr>
+        <p:spPr>
+          <a:xfrm>
+            <a:off x="11258550" y="1031280"/>
+            <a:ext cx="393700" cy="711200"/>
+          </a:xfrm>
+          <a:prstGeom prst="rect">
+            <a:avLst/>
+          </a:prstGeom>
+          <a:solidFill>
+            <a:schemeClr val="accent4">
+              <a:lumMod val="75000"/>
+            </a:schemeClr>
+          </a:solidFill>
+          <a:ln>
+            <a:noFill/>
+          </a:ln>
+        </p:spPr>
+        <p:style>
+          <a:lnRef idx="2">
+            <a:schemeClr val="accent1">
+              <a:shade val="15000"/>
+            </a:schemeClr>
+          </a:lnRef>
+          <a:fillRef idx="1">
+            <a:schemeClr val="accent1"/>
+          </a:fillRef>
+          <a:effectRef idx="0">
+            <a:schemeClr val="accent1"/>
+          </a:effectRef>
+          <a:fontRef idx="minor">
+            <a:schemeClr val="lt1"/>
+          </a:fontRef>
+        </p:style>
+        <p:txBody>
+          <a:bodyPr rtlCol="0" anchor="ctr"/>
+          <a:lstStyle/>
+          <a:p>
+            <a:pPr algn="ctr"/>
+            <a:endParaRPr lang="en-US"/>
+          </a:p>
+        </p:txBody>
+      </p:sp>
+      <p:sp>
+        <p:nvSpPr>
+          <p:cNvPr id="51" name="TextBox 50">
+            <a:extLst>
+              <a:ext uri="{FF2B5EF4-FFF2-40B4-BE49-F238E27FC236}">
+                <a16:creationId xmlns:a16="http://schemas.microsoft.com/office/drawing/2014/main" id="{94D281A4-FFD4-1818-6109-D63358EC957B}"/>
+              </a:ext>
+            </a:extLst>
+          </p:cNvPr>
+          <p:cNvSpPr txBox="1"/>
+          <p:nvPr/>
+        </p:nvSpPr>
+        <p:spPr>
+          <a:xfrm>
+            <a:off x="158750" y="1156047"/>
+            <a:ext cx="1567656" cy="461665"/>
+          </a:xfrm>
+          <a:prstGeom prst="rect">
+            <a:avLst/>
+          </a:prstGeom>
+          <a:noFill/>
+        </p:spPr>
+        <p:txBody>
+          <a:bodyPr wrap="square" rtlCol="0">
+            <a:spAutoFit/>
+          </a:bodyPr>
+          <a:lstStyle/>
+          <a:p>
+            <a:pPr algn="r"/>
+            <a:r>
+              <a:rPr lang="en-US" sz="2400" dirty="0">
+                <a:solidFill>
+                  <a:schemeClr val="accent4">
+                    <a:lumMod val="50000"/>
+                  </a:schemeClr>
+                </a:solidFill>
+              </a:rPr>
+              <a:t>Encodec id</a:t>
+            </a:r>
+          </a:p>
+        </p:txBody>
+      </p:sp>
+      <p:cxnSp>
+        <p:nvCxnSpPr>
+          <p:cNvPr id="64" name="Straight Arrow Connector 63">
+            <a:extLst>
+              <a:ext uri="{FF2B5EF4-FFF2-40B4-BE49-F238E27FC236}">
+                <a16:creationId xmlns:a16="http://schemas.microsoft.com/office/drawing/2014/main" id="{9E33541D-AE21-AE47-27EC-DE07E75D8411}"/>
+              </a:ext>
+            </a:extLst>
+          </p:cNvPr>
+          <p:cNvCxnSpPr>
+            <a:cxnSpLocks/>
+            <a:stCxn id="29" idx="0"/>
+            <a:endCxn id="5" idx="2"/>
+          </p:cNvCxnSpPr>
+          <p:nvPr/>
+        </p:nvCxnSpPr>
+        <p:spPr>
+          <a:xfrm flipH="1" flipV="1">
+            <a:off x="6688927" y="3103638"/>
+            <a:ext cx="798" cy="719808"/>
+          </a:xfrm>
+          <a:prstGeom prst="straightConnector1">
+            <a:avLst/>
+          </a:prstGeom>
+          <a:ln w="38100">
+            <a:solidFill>
+              <a:schemeClr val="tx1"/>
+            </a:solidFill>
+            <a:tailEnd type="stealth" w="lg" len="lg"/>
+          </a:ln>
+        </p:spPr>
+        <p:style>
+          <a:lnRef idx="1">
+            <a:schemeClr val="accent1"/>
+          </a:lnRef>
+          <a:fillRef idx="0">
+            <a:schemeClr val="accent1"/>
+          </a:fillRef>
+          <a:effectRef idx="0">
+            <a:schemeClr val="accent1"/>
+          </a:effectRef>
+          <a:fontRef idx="minor">
+            <a:schemeClr val="tx1"/>
+          </a:fontRef>
+        </p:style>
+      </p:cxnSp>
+      <p:pic>
+        <p:nvPicPr>
+          <p:cNvPr id="2" name="Picture 1">
+            <a:extLst>
+              <a:ext uri="{FF2B5EF4-FFF2-40B4-BE49-F238E27FC236}">
+                <a16:creationId xmlns:a16="http://schemas.microsoft.com/office/drawing/2014/main" id="{FB5DBA60-D1FD-BBC6-77C1-4C91377A398F}"/>
+              </a:ext>
+            </a:extLst>
+          </p:cNvPr>
+          <p:cNvPicPr>
+            <a:picLocks noChangeAspect="1"/>
+          </p:cNvPicPr>
+          <p:nvPr/>
+        </p:nvPicPr>
+        <p:blipFill rotWithShape="1">
+          <a:blip r:embed="rId2">
+            <a:extLst>
+              <a:ext uri="{BEBA8EAE-BF5A-486C-A8C5-ECC9F3942E4B}">
+                <a14:imgProps xmlns:a14="http://schemas.microsoft.com/office/drawing/2010/main">
+                  <a14:imgLayer r:embed="rId3">
+                    <a14:imgEffect>
+                      <a14:saturation sat="0"/>
+                    </a14:imgEffect>
+                  </a14:imgLayer>
+                </a14:imgProps>
+              </a:ext>
+            </a:extLst>
+          </a:blip>
+          <a:srcRect l="20525" t="27920" b="42752"/>
+          <a:stretch/>
+        </p:blipFill>
+        <p:spPr>
+          <a:xfrm>
+            <a:off x="1726406" y="5184605"/>
+            <a:ext cx="9925043" cy="806450"/>
+          </a:xfrm>
+          <a:prstGeom prst="rect">
+            <a:avLst/>
+          </a:prstGeom>
+        </p:spPr>
+      </p:pic>
+      <p:sp>
+        <p:nvSpPr>
+          <p:cNvPr id="4" name="TextBox 3">
+            <a:extLst>
+              <a:ext uri="{FF2B5EF4-FFF2-40B4-BE49-F238E27FC236}">
+                <a16:creationId xmlns:a16="http://schemas.microsoft.com/office/drawing/2014/main" id="{9AD78DB5-025A-792C-5D18-0E019B92AC6B}"/>
+              </a:ext>
+            </a:extLst>
+          </p:cNvPr>
+          <p:cNvSpPr txBox="1"/>
+          <p:nvPr/>
+        </p:nvSpPr>
+        <p:spPr>
+          <a:xfrm>
+            <a:off x="672702" y="5356997"/>
+            <a:ext cx="1053704" cy="461665"/>
+          </a:xfrm>
+          <a:prstGeom prst="rect">
+            <a:avLst/>
+          </a:prstGeom>
+          <a:noFill/>
+        </p:spPr>
+        <p:txBody>
+          <a:bodyPr wrap="square" rtlCol="0">
+            <a:spAutoFit/>
+          </a:bodyPr>
+          <a:lstStyle/>
+          <a:p>
+            <a:pPr algn="r"/>
+            <a:r>
+              <a:rPr lang="en-US" sz="2400" dirty="0"/>
+              <a:t>Score</a:t>
+            </a:r>
+          </a:p>
+        </p:txBody>
+      </p:sp>
+      <p:sp>
+        <p:nvSpPr>
+          <p:cNvPr id="29" name="Rectangle: Rounded Corners 28">
+            <a:extLst>
+              <a:ext uri="{FF2B5EF4-FFF2-40B4-BE49-F238E27FC236}">
+                <a16:creationId xmlns:a16="http://schemas.microsoft.com/office/drawing/2014/main" id="{6FD095F4-DAAE-A277-3FDE-272D2FEC86AF}"/>
+              </a:ext>
+            </a:extLst>
+          </p:cNvPr>
+          <p:cNvSpPr/>
+          <p:nvPr/>
+        </p:nvSpPr>
+        <p:spPr>
+          <a:xfrm>
+            <a:off x="1727200" y="3823446"/>
+            <a:ext cx="9925050" cy="641350"/>
+          </a:xfrm>
+          <a:prstGeom prst="roundRect">
+            <a:avLst/>
+          </a:prstGeom>
+          <a:solidFill>
+            <a:schemeClr val="accent1">
+              <a:lumMod val="40000"/>
+              <a:lumOff val="60000"/>
+            </a:schemeClr>
+          </a:solidFill>
+          <a:ln w="38100">
+            <a:noFill/>
+          </a:ln>
+        </p:spPr>
+        <p:style>
+          <a:lnRef idx="2">
+            <a:schemeClr val="accent1">
+              <a:shade val="15000"/>
+            </a:schemeClr>
+          </a:lnRef>
+          <a:fillRef idx="1">
+            <a:schemeClr val="accent1"/>
+          </a:fillRef>
+          <a:effectRef idx="0">
+            <a:schemeClr val="accent1"/>
+          </a:effectRef>
+          <a:fontRef idx="minor">
+            <a:schemeClr val="lt1"/>
+          </a:fontRef>
+        </p:style>
+        <p:txBody>
+          <a:bodyPr rtlCol="0" anchor="ctr"/>
+          <a:lstStyle/>
+          <a:p>
+            <a:pPr algn="ctr"/>
+            <a:r>
+              <a:rPr lang="en-US" sz="2400" dirty="0">
+                <a:solidFill>
+                  <a:schemeClr val="tx1"/>
+                </a:solidFill>
+              </a:rPr>
+              <a:t>Interpreter: note pitch -&gt; piano key</a:t>
+            </a:r>
+          </a:p>
+        </p:txBody>
+      </p:sp>
+      <p:sp>
+        <p:nvSpPr>
+          <p:cNvPr id="5" name="Rectangle: Rounded Corners 4">
+            <a:extLst>
+              <a:ext uri="{FF2B5EF4-FFF2-40B4-BE49-F238E27FC236}">
+                <a16:creationId xmlns:a16="http://schemas.microsoft.com/office/drawing/2014/main" id="{79CFAAA9-4777-05E3-3719-62B6D2A8A0FD}"/>
+              </a:ext>
+            </a:extLst>
+          </p:cNvPr>
+          <p:cNvSpPr/>
+          <p:nvPr/>
+        </p:nvSpPr>
+        <p:spPr>
+          <a:xfrm>
+            <a:off x="1726406" y="2462288"/>
+            <a:ext cx="9925042" cy="641350"/>
+          </a:xfrm>
+          <a:prstGeom prst="roundRect">
+            <a:avLst/>
+          </a:prstGeom>
+          <a:solidFill>
+            <a:schemeClr val="bg1"/>
+          </a:solidFill>
+          <a:ln w="28575">
+            <a:solidFill>
+              <a:schemeClr val="tx1"/>
+            </a:solidFill>
+          </a:ln>
+        </p:spPr>
+        <p:style>
+          <a:lnRef idx="2">
+            <a:schemeClr val="accent1">
+              <a:shade val="15000"/>
+            </a:schemeClr>
+          </a:lnRef>
+          <a:fillRef idx="1">
+            <a:schemeClr val="accent1"/>
+          </a:fillRef>
+          <a:effectRef idx="0">
+            <a:schemeClr val="accent1"/>
+          </a:effectRef>
+          <a:fontRef idx="minor">
+            <a:schemeClr val="lt1"/>
+          </a:fontRef>
+        </p:style>
+        <p:txBody>
+          <a:bodyPr rtlCol="0" anchor="ctr"/>
+          <a:lstStyle/>
+          <a:p>
+            <a:pPr algn="ctr"/>
+            <a:r>
+              <a:rPr lang="en-US" sz="2400" dirty="0">
+                <a:solidFill>
+                  <a:schemeClr val="tx1"/>
+                </a:solidFill>
+              </a:rPr>
+              <a:t>Virtual piano</a:t>
+            </a:r>
+          </a:p>
+        </p:txBody>
+      </p:sp>
+      <p:cxnSp>
+        <p:nvCxnSpPr>
+          <p:cNvPr id="9" name="Straight Arrow Connector 8">
+            <a:extLst>
+              <a:ext uri="{FF2B5EF4-FFF2-40B4-BE49-F238E27FC236}">
+                <a16:creationId xmlns:a16="http://schemas.microsoft.com/office/drawing/2014/main" id="{80A153B8-7122-764A-E488-72AA20AE1522}"/>
+              </a:ext>
+            </a:extLst>
+          </p:cNvPr>
+          <p:cNvCxnSpPr>
+            <a:cxnSpLocks/>
+            <a:stCxn id="5" idx="0"/>
+          </p:cNvCxnSpPr>
+          <p:nvPr/>
+        </p:nvCxnSpPr>
+        <p:spPr>
+          <a:xfrm flipV="1">
+            <a:off x="6688927" y="1742480"/>
+            <a:ext cx="0" cy="719808"/>
+          </a:xfrm>
+          <a:prstGeom prst="straightConnector1">
+            <a:avLst/>
+          </a:prstGeom>
+          <a:ln w="38100">
+            <a:solidFill>
+              <a:schemeClr val="tx1"/>
+            </a:solidFill>
+            <a:tailEnd type="stealth" w="lg" len="lg"/>
+          </a:ln>
+        </p:spPr>
+        <p:style>
+          <a:lnRef idx="1">
+            <a:schemeClr val="accent1"/>
+          </a:lnRef>
+          <a:fillRef idx="0">
+            <a:schemeClr val="accent1"/>
+          </a:fillRef>
+          <a:effectRef idx="0">
+            <a:schemeClr val="accent1"/>
+          </a:effectRef>
+          <a:fontRef idx="minor">
+            <a:schemeClr val="tx1"/>
+          </a:fontRef>
+        </p:style>
+      </p:cxnSp>
+    </p:spTree>
+    <p:extLst>
+      <p:ext uri="{BB962C8B-B14F-4D97-AF65-F5344CB8AC3E}">
+        <p14:creationId xmlns:p14="http://schemas.microsoft.com/office/powerpoint/2010/main" val="592850798"/>
+      </p:ext>
+    </p:extLst>
+  </p:cSld>
+  <p:clrMapOvr>
+    <a:masterClrMapping/>
+  </p:clrMapOvr>
+</p:sld>
+</file>
+
+<file path=ppt/slides/slide2.xml><?xml version="1.0" encoding="utf-8"?>
+<p:sld xmlns:a="http://schemas.openxmlformats.org/drawingml/2006/main" xmlns:r="http://schemas.openxmlformats.org/officeDocument/2006/relationships" xmlns:p="http://schemas.openxmlformats.org/presentationml/2006/main">
+  <p:cSld>
+    <p:spTree>
+      <p:nvGrpSpPr>
+        <p:cNvPr id="1" name=""/>
+        <p:cNvGrpSpPr/>
+        <p:nvPr/>
+      </p:nvGrpSpPr>
+      <p:grpSpPr>
+        <a:xfrm>
+          <a:off x="0" y="0"/>
+          <a:ext cx="0" cy="0"/>
+          <a:chOff x="0" y="0"/>
+          <a:chExt cx="0" cy="0"/>
+        </a:xfrm>
+      </p:grpSpPr>
+      <p:cxnSp>
+        <p:nvCxnSpPr>
+          <p:cNvPr id="70" name="Straight Arrow Connector 69">
+            <a:extLst>
+              <a:ext uri="{FF2B5EF4-FFF2-40B4-BE49-F238E27FC236}">
+                <a16:creationId xmlns:a16="http://schemas.microsoft.com/office/drawing/2014/main" id="{9605C10C-94C8-3C23-5BAE-F6BEA7109AF5}"/>
+              </a:ext>
+            </a:extLst>
+          </p:cNvPr>
+          <p:cNvCxnSpPr>
+            <a:cxnSpLocks/>
+            <a:endCxn id="53" idx="2"/>
+          </p:cNvCxnSpPr>
+          <p:nvPr/>
+        </p:nvCxnSpPr>
+        <p:spPr>
+          <a:xfrm flipV="1">
+            <a:off x="8445500" y="2729904"/>
+            <a:ext cx="0" cy="749896"/>
+          </a:xfrm>
+          <a:prstGeom prst="straightConnector1">
+            <a:avLst/>
+          </a:prstGeom>
+          <a:ln w="38100">
+            <a:solidFill>
+              <a:schemeClr val="tx1"/>
+            </a:solidFill>
+            <a:tailEnd type="stealth" w="lg" len="lg"/>
+          </a:ln>
+        </p:spPr>
+        <p:style>
+          <a:lnRef idx="1">
+            <a:schemeClr val="accent1"/>
+          </a:lnRef>
+          <a:fillRef idx="0">
+            <a:schemeClr val="accent1"/>
+          </a:fillRef>
+          <a:effectRef idx="0">
+            <a:schemeClr val="accent1"/>
+          </a:effectRef>
+          <a:fontRef idx="minor">
+            <a:schemeClr val="tx1"/>
+          </a:fontRef>
+        </p:style>
+      </p:cxnSp>
+      <mc:AlternateContent xmlns:mc="http://schemas.openxmlformats.org/markup-compatibility/2006" xmlns:a14="http://schemas.microsoft.com/office/drawing/2010/main">
+        <mc:Choice Requires="a14">
+          <p:sp>
+            <p:nvSpPr>
+              <p:cNvPr id="26" name="TextBox 25">
+                <a:extLst>
+                  <a:ext uri="{FF2B5EF4-FFF2-40B4-BE49-F238E27FC236}">
+                    <a16:creationId xmlns:a16="http://schemas.microsoft.com/office/drawing/2014/main" id="{51C907AE-7BB3-50AB-F6DC-C6CF3B96AC2F}"/>
+                  </a:ext>
+                </a:extLst>
+              </p:cNvPr>
+              <p:cNvSpPr txBox="1"/>
+              <p:nvPr/>
+            </p:nvSpPr>
+            <p:spPr>
+              <a:xfrm>
+                <a:off x="8580437" y="5418434"/>
+                <a:ext cx="733425" cy="523220"/>
+              </a:xfrm>
+              <a:prstGeom prst="rect">
+                <a:avLst/>
+              </a:prstGeom>
+              <a:noFill/>
+            </p:spPr>
+            <p:txBody>
+              <a:bodyPr wrap="square" rtlCol="0">
+                <a:spAutoFit/>
+              </a:bodyPr>
+              <a:lstStyle/>
+              <a:p>
+                <a:pPr/>
+                <a14:m>
+                  <m:oMathPara xmlns:m="http://schemas.openxmlformats.org/officeDocument/2006/math">
+                    <m:oMathParaPr>
+                      <m:jc m:val="centerGroup"/>
+                    </m:oMathParaPr>
+                    <m:oMath xmlns:m="http://schemas.openxmlformats.org/officeDocument/2006/math">
+                      <m:r>
+                        <a:rPr lang="en-US" sz="2800" b="0" i="1" smtClean="0">
+                          <a:solidFill>
+                            <a:schemeClr val="tx1"/>
+                          </a:solidFill>
+                          <a:latin typeface="Cambria Math" panose="02040503050406030204" pitchFamily="18" charset="0"/>
+                        </a:rPr>
+                        <m:t>𝑡</m:t>
+                      </m:r>
+                    </m:oMath>
+                  </m:oMathPara>
+                </a14:m>
+                <a:endParaRPr lang="en-US" sz="2800" dirty="0">
+                  <a:solidFill>
+                    <a:schemeClr val="tx1"/>
+                  </a:solidFill>
+                </a:endParaRPr>
+              </a:p>
+            </p:txBody>
+          </p:sp>
+        </mc:Choice>
+        <mc:Fallback xmlns="">
+          <p:sp>
+            <p:nvSpPr>
+              <p:cNvPr id="26" name="TextBox 25">
+                <a:extLst>
+                  <a:ext uri="{FF2B5EF4-FFF2-40B4-BE49-F238E27FC236}">
+                    <a16:creationId xmlns:a16="http://schemas.microsoft.com/office/drawing/2014/main" id="{51C907AE-7BB3-50AB-F6DC-C6CF3B96AC2F}"/>
+                  </a:ext>
+                </a:extLst>
+              </p:cNvPr>
+              <p:cNvSpPr txBox="1">
+                <a:spLocks noRot="1" noChangeAspect="1" noMove="1" noResize="1" noEditPoints="1" noAdjustHandles="1" noChangeArrowheads="1" noChangeShapeType="1" noTextEdit="1"/>
+              </p:cNvSpPr>
+              <p:nvPr/>
+            </p:nvSpPr>
+            <p:spPr>
+              <a:xfrm>
+                <a:off x="8580437" y="5418434"/>
+                <a:ext cx="733425" cy="523220"/>
+              </a:xfrm>
+              <a:prstGeom prst="rect">
+                <a:avLst/>
+              </a:prstGeom>
+              <a:blipFill>
+                <a:blip r:embed="rId2"/>
+                <a:stretch>
+                  <a:fillRect/>
+                </a:stretch>
+              </a:blipFill>
+            </p:spPr>
+            <p:txBody>
+              <a:bodyPr/>
+              <a:lstStyle/>
+              <a:p>
+                <a:r>
+                  <a:rPr lang="en-US">
+                    <a:noFill/>
+                  </a:rPr>
+                  <a:t> </a:t>
+                </a:r>
+              </a:p>
+            </p:txBody>
+          </p:sp>
+        </mc:Fallback>
+      </mc:AlternateContent>
+      <p:sp>
+        <p:nvSpPr>
+          <p:cNvPr id="30" name="Rectangle 29">
+            <a:extLst>
+              <a:ext uri="{FF2B5EF4-FFF2-40B4-BE49-F238E27FC236}">
+                <a16:creationId xmlns:a16="http://schemas.microsoft.com/office/drawing/2014/main" id="{D40496CB-12A7-AD47-7F82-5B6B2AFC708B}"/>
+              </a:ext>
+            </a:extLst>
+          </p:cNvPr>
+          <p:cNvSpPr/>
+          <p:nvPr/>
+        </p:nvSpPr>
+        <p:spPr>
+          <a:xfrm>
+            <a:off x="1727200" y="4574580"/>
+            <a:ext cx="393700" cy="711200"/>
+          </a:xfrm>
+          <a:prstGeom prst="rect">
+            <a:avLst/>
+          </a:prstGeom>
+          <a:solidFill>
+            <a:schemeClr val="accent4">
+              <a:lumMod val="75000"/>
+            </a:schemeClr>
+          </a:solidFill>
+          <a:ln>
+            <a:noFill/>
+          </a:ln>
+        </p:spPr>
+        <p:style>
+          <a:lnRef idx="2">
+            <a:schemeClr val="accent1">
+              <a:shade val="15000"/>
+            </a:schemeClr>
+          </a:lnRef>
+          <a:fillRef idx="1">
+            <a:schemeClr val="accent1"/>
+          </a:fillRef>
+          <a:effectRef idx="0">
+            <a:schemeClr val="accent1"/>
+          </a:effectRef>
+          <a:fontRef idx="minor">
+            <a:schemeClr val="lt1"/>
+          </a:fontRef>
+        </p:style>
+        <p:txBody>
+          <a:bodyPr rtlCol="0" anchor="ctr"/>
+          <a:lstStyle/>
+          <a:p>
+            <a:pPr algn="ctr"/>
+            <a:endParaRPr lang="en-US"/>
+          </a:p>
+        </p:txBody>
+      </p:sp>
+      <p:sp>
+        <p:nvSpPr>
+          <p:cNvPr id="31" name="Rectangle 30">
+            <a:extLst>
+              <a:ext uri="{FF2B5EF4-FFF2-40B4-BE49-F238E27FC236}">
+                <a16:creationId xmlns:a16="http://schemas.microsoft.com/office/drawing/2014/main" id="{62083DAB-0E4C-B7EC-7F6D-FE5C83ED3DCE}"/>
+              </a:ext>
+            </a:extLst>
+          </p:cNvPr>
+          <p:cNvSpPr/>
+          <p:nvPr/>
+        </p:nvSpPr>
+        <p:spPr>
+          <a:xfrm>
+            <a:off x="2228850" y="4574580"/>
+            <a:ext cx="393700" cy="711200"/>
+          </a:xfrm>
+          <a:prstGeom prst="rect">
+            <a:avLst/>
+          </a:prstGeom>
+          <a:solidFill>
+            <a:schemeClr val="accent4">
+              <a:lumMod val="75000"/>
+            </a:schemeClr>
+          </a:solidFill>
+          <a:ln>
+            <a:noFill/>
+          </a:ln>
+        </p:spPr>
+        <p:style>
+          <a:lnRef idx="2">
+            <a:schemeClr val="accent1">
+              <a:shade val="15000"/>
+            </a:schemeClr>
+          </a:lnRef>
+          <a:fillRef idx="1">
+            <a:schemeClr val="accent1"/>
+          </a:fillRef>
+          <a:effectRef idx="0">
+            <a:schemeClr val="accent1"/>
+          </a:effectRef>
+          <a:fontRef idx="minor">
+            <a:schemeClr val="lt1"/>
+          </a:fontRef>
+        </p:style>
+        <p:txBody>
+          <a:bodyPr rtlCol="0" anchor="ctr"/>
+          <a:lstStyle/>
+          <a:p>
+            <a:pPr algn="ctr"/>
+            <a:endParaRPr lang="en-US"/>
+          </a:p>
+        </p:txBody>
+      </p:sp>
+      <p:sp>
+        <p:nvSpPr>
+          <p:cNvPr id="32" name="Rectangle 31">
+            <a:extLst>
+              <a:ext uri="{FF2B5EF4-FFF2-40B4-BE49-F238E27FC236}">
+                <a16:creationId xmlns:a16="http://schemas.microsoft.com/office/drawing/2014/main" id="{A5527BFD-3EAE-F580-C080-E6A24B1E031D}"/>
+              </a:ext>
+            </a:extLst>
+          </p:cNvPr>
+          <p:cNvSpPr/>
+          <p:nvPr/>
+        </p:nvSpPr>
+        <p:spPr>
+          <a:xfrm>
+            <a:off x="2730500" y="4574580"/>
+            <a:ext cx="393700" cy="711200"/>
+          </a:xfrm>
+          <a:prstGeom prst="rect">
+            <a:avLst/>
+          </a:prstGeom>
+          <a:solidFill>
+            <a:schemeClr val="accent4">
+              <a:lumMod val="75000"/>
+            </a:schemeClr>
+          </a:solidFill>
+          <a:ln>
+            <a:noFill/>
+          </a:ln>
+        </p:spPr>
+        <p:style>
+          <a:lnRef idx="2">
+            <a:schemeClr val="accent1">
+              <a:shade val="15000"/>
+            </a:schemeClr>
+          </a:lnRef>
+          <a:fillRef idx="1">
+            <a:schemeClr val="accent1"/>
+          </a:fillRef>
+          <a:effectRef idx="0">
+            <a:schemeClr val="accent1"/>
+          </a:effectRef>
+          <a:fontRef idx="minor">
+            <a:schemeClr val="lt1"/>
+          </a:fontRef>
+        </p:style>
+        <p:txBody>
+          <a:bodyPr rtlCol="0" anchor="ctr"/>
+          <a:lstStyle/>
+          <a:p>
+            <a:pPr algn="ctr"/>
+            <a:endParaRPr lang="en-US"/>
+          </a:p>
+        </p:txBody>
+      </p:sp>
+      <p:sp>
+        <p:nvSpPr>
+          <p:cNvPr id="33" name="Rectangle 32">
+            <a:extLst>
+              <a:ext uri="{FF2B5EF4-FFF2-40B4-BE49-F238E27FC236}">
+                <a16:creationId xmlns:a16="http://schemas.microsoft.com/office/drawing/2014/main" id="{95923708-F1D2-B114-2536-501CE33D6C4A}"/>
+              </a:ext>
+            </a:extLst>
+          </p:cNvPr>
+          <p:cNvSpPr/>
+          <p:nvPr/>
+        </p:nvSpPr>
+        <p:spPr>
+          <a:xfrm>
+            <a:off x="3232150" y="4574580"/>
+            <a:ext cx="393700" cy="711200"/>
+          </a:xfrm>
+          <a:prstGeom prst="rect">
+            <a:avLst/>
+          </a:prstGeom>
+          <a:solidFill>
+            <a:schemeClr val="accent4">
+              <a:lumMod val="75000"/>
+            </a:schemeClr>
+          </a:solidFill>
+          <a:ln>
+            <a:noFill/>
+          </a:ln>
+        </p:spPr>
+        <p:style>
+          <a:lnRef idx="2">
+            <a:schemeClr val="accent1">
+              <a:shade val="15000"/>
+            </a:schemeClr>
+          </a:lnRef>
+          <a:fillRef idx="1">
+            <a:schemeClr val="accent1"/>
+          </a:fillRef>
+          <a:effectRef idx="0">
+            <a:schemeClr val="accent1"/>
+          </a:effectRef>
+          <a:fontRef idx="minor">
+            <a:schemeClr val="lt1"/>
+          </a:fontRef>
+        </p:style>
+        <p:txBody>
+          <a:bodyPr rtlCol="0" anchor="ctr"/>
+          <a:lstStyle/>
+          <a:p>
+            <a:pPr algn="ctr"/>
+            <a:endParaRPr lang="en-US"/>
+          </a:p>
+        </p:txBody>
+      </p:sp>
+      <p:sp>
+        <p:nvSpPr>
+          <p:cNvPr id="34" name="Rectangle 33">
+            <a:extLst>
+              <a:ext uri="{FF2B5EF4-FFF2-40B4-BE49-F238E27FC236}">
+                <a16:creationId xmlns:a16="http://schemas.microsoft.com/office/drawing/2014/main" id="{D6464094-6A4F-B8F4-26A0-661854754000}"/>
+              </a:ext>
+            </a:extLst>
+          </p:cNvPr>
+          <p:cNvSpPr/>
+          <p:nvPr/>
+        </p:nvSpPr>
+        <p:spPr>
+          <a:xfrm>
+            <a:off x="3733800" y="4574580"/>
+            <a:ext cx="393700" cy="711200"/>
+          </a:xfrm>
+          <a:prstGeom prst="rect">
+            <a:avLst/>
+          </a:prstGeom>
+          <a:solidFill>
+            <a:schemeClr val="accent4">
+              <a:lumMod val="75000"/>
+            </a:schemeClr>
+          </a:solidFill>
+          <a:ln>
+            <a:noFill/>
+          </a:ln>
+        </p:spPr>
+        <p:style>
+          <a:lnRef idx="2">
+            <a:schemeClr val="accent1">
+              <a:shade val="15000"/>
+            </a:schemeClr>
+          </a:lnRef>
+          <a:fillRef idx="1">
+            <a:schemeClr val="accent1"/>
+          </a:fillRef>
+          <a:effectRef idx="0">
+            <a:schemeClr val="accent1"/>
+          </a:effectRef>
+          <a:fontRef idx="minor">
+            <a:schemeClr val="lt1"/>
+          </a:fontRef>
+        </p:style>
+        <p:txBody>
+          <a:bodyPr rtlCol="0" anchor="ctr"/>
+          <a:lstStyle/>
+          <a:p>
+            <a:pPr algn="ctr"/>
+            <a:endParaRPr lang="en-US"/>
+          </a:p>
+        </p:txBody>
+      </p:sp>
+      <p:sp>
+        <p:nvSpPr>
+          <p:cNvPr id="35" name="Rectangle 34">
+            <a:extLst>
+              <a:ext uri="{FF2B5EF4-FFF2-40B4-BE49-F238E27FC236}">
+                <a16:creationId xmlns:a16="http://schemas.microsoft.com/office/drawing/2014/main" id="{52C8D207-6D3B-4600-6393-DB9E7F030EDA}"/>
+              </a:ext>
+            </a:extLst>
+          </p:cNvPr>
+          <p:cNvSpPr/>
+          <p:nvPr/>
+        </p:nvSpPr>
+        <p:spPr>
+          <a:xfrm>
+            <a:off x="4235450" y="4574580"/>
+            <a:ext cx="393700" cy="711200"/>
+          </a:xfrm>
+          <a:prstGeom prst="rect">
+            <a:avLst/>
+          </a:prstGeom>
+          <a:solidFill>
+            <a:schemeClr val="accent4">
+              <a:lumMod val="75000"/>
+            </a:schemeClr>
+          </a:solidFill>
+          <a:ln>
+            <a:noFill/>
+          </a:ln>
+        </p:spPr>
+        <p:style>
+          <a:lnRef idx="2">
+            <a:schemeClr val="accent1">
+              <a:shade val="15000"/>
+            </a:schemeClr>
+          </a:lnRef>
+          <a:fillRef idx="1">
+            <a:schemeClr val="accent1"/>
+          </a:fillRef>
+          <a:effectRef idx="0">
+            <a:schemeClr val="accent1"/>
+          </a:effectRef>
+          <a:fontRef idx="minor">
+            <a:schemeClr val="lt1"/>
+          </a:fontRef>
+        </p:style>
+        <p:txBody>
+          <a:bodyPr rtlCol="0" anchor="ctr"/>
+          <a:lstStyle/>
+          <a:p>
+            <a:pPr algn="ctr"/>
+            <a:endParaRPr lang="en-US"/>
+          </a:p>
+        </p:txBody>
+      </p:sp>
+      <p:sp>
+        <p:nvSpPr>
+          <p:cNvPr id="36" name="Rectangle 35">
+            <a:extLst>
+              <a:ext uri="{FF2B5EF4-FFF2-40B4-BE49-F238E27FC236}">
+                <a16:creationId xmlns:a16="http://schemas.microsoft.com/office/drawing/2014/main" id="{21068332-FD3F-3126-29B9-740F2A7694A3}"/>
+              </a:ext>
+            </a:extLst>
+          </p:cNvPr>
+          <p:cNvSpPr/>
+          <p:nvPr/>
+        </p:nvSpPr>
+        <p:spPr>
+          <a:xfrm>
+            <a:off x="4737100" y="4574580"/>
+            <a:ext cx="393700" cy="711200"/>
+          </a:xfrm>
+          <a:prstGeom prst="rect">
+            <a:avLst/>
+          </a:prstGeom>
+          <a:solidFill>
+            <a:schemeClr val="accent4">
+              <a:lumMod val="75000"/>
+            </a:schemeClr>
+          </a:solidFill>
+          <a:ln>
+            <a:noFill/>
+          </a:ln>
+        </p:spPr>
+        <p:style>
+          <a:lnRef idx="2">
+            <a:schemeClr val="accent1">
+              <a:shade val="15000"/>
+            </a:schemeClr>
+          </a:lnRef>
+          <a:fillRef idx="1">
+            <a:schemeClr val="accent1"/>
+          </a:fillRef>
+          <a:effectRef idx="0">
+            <a:schemeClr val="accent1"/>
+          </a:effectRef>
+          <a:fontRef idx="minor">
+            <a:schemeClr val="lt1"/>
+          </a:fontRef>
+        </p:style>
+        <p:txBody>
+          <a:bodyPr rtlCol="0" anchor="ctr"/>
+          <a:lstStyle/>
+          <a:p>
+            <a:pPr algn="ctr"/>
+            <a:endParaRPr lang="en-US"/>
+          </a:p>
+        </p:txBody>
+      </p:sp>
+      <p:sp>
+        <p:nvSpPr>
+          <p:cNvPr id="37" name="Rectangle 36">
+            <a:extLst>
+              <a:ext uri="{FF2B5EF4-FFF2-40B4-BE49-F238E27FC236}">
+                <a16:creationId xmlns:a16="http://schemas.microsoft.com/office/drawing/2014/main" id="{C6236B27-0735-D15A-7A66-D9430A90AF3E}"/>
+              </a:ext>
+            </a:extLst>
+          </p:cNvPr>
+          <p:cNvSpPr/>
+          <p:nvPr/>
+        </p:nvSpPr>
+        <p:spPr>
+          <a:xfrm>
+            <a:off x="5238750" y="4574580"/>
+            <a:ext cx="393700" cy="711200"/>
+          </a:xfrm>
+          <a:prstGeom prst="rect">
+            <a:avLst/>
+          </a:prstGeom>
+          <a:solidFill>
+            <a:schemeClr val="accent4">
+              <a:lumMod val="75000"/>
+            </a:schemeClr>
+          </a:solidFill>
+          <a:ln>
+            <a:noFill/>
+          </a:ln>
+        </p:spPr>
+        <p:style>
+          <a:lnRef idx="2">
+            <a:schemeClr val="accent1">
+              <a:shade val="15000"/>
+            </a:schemeClr>
+          </a:lnRef>
+          <a:fillRef idx="1">
+            <a:schemeClr val="accent1"/>
+          </a:fillRef>
+          <a:effectRef idx="0">
+            <a:schemeClr val="accent1"/>
+          </a:effectRef>
+          <a:fontRef idx="minor">
+            <a:schemeClr val="lt1"/>
+          </a:fontRef>
+        </p:style>
+        <p:txBody>
+          <a:bodyPr rtlCol="0" anchor="ctr"/>
+          <a:lstStyle/>
+          <a:p>
+            <a:pPr algn="ctr"/>
+            <a:endParaRPr lang="en-US"/>
+          </a:p>
+        </p:txBody>
+      </p:sp>
+      <p:sp>
+        <p:nvSpPr>
+          <p:cNvPr id="38" name="Rectangle 37">
+            <a:extLst>
+              <a:ext uri="{FF2B5EF4-FFF2-40B4-BE49-F238E27FC236}">
+                <a16:creationId xmlns:a16="http://schemas.microsoft.com/office/drawing/2014/main" id="{9FADADCE-53C3-DDF4-F932-5B3F11470A91}"/>
+              </a:ext>
+            </a:extLst>
+          </p:cNvPr>
+          <p:cNvSpPr/>
+          <p:nvPr/>
+        </p:nvSpPr>
+        <p:spPr>
+          <a:xfrm>
+            <a:off x="5740400" y="4574580"/>
+            <a:ext cx="393700" cy="711200"/>
+          </a:xfrm>
+          <a:prstGeom prst="rect">
+            <a:avLst/>
+          </a:prstGeom>
+          <a:solidFill>
+            <a:schemeClr val="accent4">
+              <a:lumMod val="75000"/>
+            </a:schemeClr>
+          </a:solidFill>
+          <a:ln>
+            <a:noFill/>
+          </a:ln>
+        </p:spPr>
+        <p:style>
+          <a:lnRef idx="2">
+            <a:schemeClr val="accent1">
+              <a:shade val="15000"/>
+            </a:schemeClr>
+          </a:lnRef>
+          <a:fillRef idx="1">
+            <a:schemeClr val="accent1"/>
+          </a:fillRef>
+          <a:effectRef idx="0">
+            <a:schemeClr val="accent1"/>
+          </a:effectRef>
+          <a:fontRef idx="minor">
+            <a:schemeClr val="lt1"/>
+          </a:fontRef>
+        </p:style>
+        <p:txBody>
+          <a:bodyPr rtlCol="0" anchor="ctr"/>
+          <a:lstStyle/>
+          <a:p>
+            <a:pPr algn="ctr"/>
+            <a:endParaRPr lang="en-US"/>
+          </a:p>
+        </p:txBody>
+      </p:sp>
+      <p:sp>
+        <p:nvSpPr>
+          <p:cNvPr id="39" name="Rectangle 38">
+            <a:extLst>
+              <a:ext uri="{FF2B5EF4-FFF2-40B4-BE49-F238E27FC236}">
+                <a16:creationId xmlns:a16="http://schemas.microsoft.com/office/drawing/2014/main" id="{11A79C65-CD31-6493-4B76-A0DE9330D39D}"/>
+              </a:ext>
+            </a:extLst>
+          </p:cNvPr>
+          <p:cNvSpPr/>
+          <p:nvPr/>
+        </p:nvSpPr>
+        <p:spPr>
+          <a:xfrm>
+            <a:off x="6242050" y="4574580"/>
+            <a:ext cx="393700" cy="711200"/>
+          </a:xfrm>
+          <a:prstGeom prst="rect">
+            <a:avLst/>
+          </a:prstGeom>
+          <a:solidFill>
+            <a:schemeClr val="accent4">
+              <a:lumMod val="75000"/>
+            </a:schemeClr>
+          </a:solidFill>
+          <a:ln>
+            <a:noFill/>
+          </a:ln>
+        </p:spPr>
+        <p:style>
+          <a:lnRef idx="2">
+            <a:schemeClr val="accent1">
+              <a:shade val="15000"/>
+            </a:schemeClr>
+          </a:lnRef>
+          <a:fillRef idx="1">
+            <a:schemeClr val="accent1"/>
+          </a:fillRef>
+          <a:effectRef idx="0">
+            <a:schemeClr val="accent1"/>
+          </a:effectRef>
+          <a:fontRef idx="minor">
+            <a:schemeClr val="lt1"/>
+          </a:fontRef>
+        </p:style>
+        <p:txBody>
+          <a:bodyPr rtlCol="0" anchor="ctr"/>
+          <a:lstStyle/>
+          <a:p>
+            <a:pPr algn="ctr"/>
+            <a:endParaRPr lang="en-US"/>
+          </a:p>
+        </p:txBody>
+      </p:sp>
+      <p:sp>
+        <p:nvSpPr>
+          <p:cNvPr id="40" name="Rectangle 39">
+            <a:extLst>
+              <a:ext uri="{FF2B5EF4-FFF2-40B4-BE49-F238E27FC236}">
+                <a16:creationId xmlns:a16="http://schemas.microsoft.com/office/drawing/2014/main" id="{CA40B9E4-1043-C992-A236-BD28C614D882}"/>
+              </a:ext>
+            </a:extLst>
+          </p:cNvPr>
+          <p:cNvSpPr/>
+          <p:nvPr/>
+        </p:nvSpPr>
+        <p:spPr>
+          <a:xfrm>
+            <a:off x="6743700" y="4574580"/>
+            <a:ext cx="393700" cy="711200"/>
+          </a:xfrm>
+          <a:prstGeom prst="rect">
+            <a:avLst/>
+          </a:prstGeom>
+          <a:solidFill>
+            <a:schemeClr val="accent4">
+              <a:lumMod val="75000"/>
+            </a:schemeClr>
+          </a:solidFill>
+          <a:ln>
+            <a:noFill/>
+          </a:ln>
+        </p:spPr>
+        <p:style>
+          <a:lnRef idx="2">
+            <a:schemeClr val="accent1">
+              <a:shade val="15000"/>
+            </a:schemeClr>
+          </a:lnRef>
+          <a:fillRef idx="1">
+            <a:schemeClr val="accent1"/>
+          </a:fillRef>
+          <a:effectRef idx="0">
+            <a:schemeClr val="accent1"/>
+          </a:effectRef>
+          <a:fontRef idx="minor">
+            <a:schemeClr val="lt1"/>
+          </a:fontRef>
+        </p:style>
+        <p:txBody>
+          <a:bodyPr rtlCol="0" anchor="ctr"/>
+          <a:lstStyle/>
+          <a:p>
+            <a:pPr algn="ctr"/>
+            <a:endParaRPr lang="en-US"/>
+          </a:p>
+        </p:txBody>
+      </p:sp>
+      <p:sp>
+        <p:nvSpPr>
+          <p:cNvPr id="41" name="Rectangle 40">
+            <a:extLst>
+              <a:ext uri="{FF2B5EF4-FFF2-40B4-BE49-F238E27FC236}">
+                <a16:creationId xmlns:a16="http://schemas.microsoft.com/office/drawing/2014/main" id="{C32976DC-6517-9C4C-8D63-6944F726AA79}"/>
+              </a:ext>
+            </a:extLst>
+          </p:cNvPr>
+          <p:cNvSpPr/>
+          <p:nvPr/>
+        </p:nvSpPr>
+        <p:spPr>
+          <a:xfrm>
+            <a:off x="7245350" y="4574580"/>
+            <a:ext cx="393700" cy="711200"/>
+          </a:xfrm>
+          <a:prstGeom prst="rect">
+            <a:avLst/>
+          </a:prstGeom>
+          <a:solidFill>
+            <a:schemeClr val="accent4">
+              <a:lumMod val="75000"/>
+            </a:schemeClr>
+          </a:solidFill>
+          <a:ln>
+            <a:noFill/>
+          </a:ln>
+        </p:spPr>
+        <p:style>
+          <a:lnRef idx="2">
+            <a:schemeClr val="accent1">
+              <a:shade val="15000"/>
+            </a:schemeClr>
+          </a:lnRef>
+          <a:fillRef idx="1">
+            <a:schemeClr val="accent1"/>
+          </a:fillRef>
+          <a:effectRef idx="0">
+            <a:schemeClr val="accent1"/>
+          </a:effectRef>
+          <a:fontRef idx="minor">
+            <a:schemeClr val="lt1"/>
+          </a:fontRef>
+        </p:style>
+        <p:txBody>
+          <a:bodyPr rtlCol="0" anchor="ctr"/>
+          <a:lstStyle/>
+          <a:p>
+            <a:pPr algn="ctr"/>
+            <a:endParaRPr lang="en-US"/>
+          </a:p>
+        </p:txBody>
+      </p:sp>
+      <p:sp>
+        <p:nvSpPr>
+          <p:cNvPr id="42" name="Rectangle 41">
+            <a:extLst>
+              <a:ext uri="{FF2B5EF4-FFF2-40B4-BE49-F238E27FC236}">
+                <a16:creationId xmlns:a16="http://schemas.microsoft.com/office/drawing/2014/main" id="{F234CC7F-90BD-59C8-2A20-21448146DF15}"/>
+              </a:ext>
+            </a:extLst>
+          </p:cNvPr>
+          <p:cNvSpPr/>
+          <p:nvPr/>
+        </p:nvSpPr>
+        <p:spPr>
+          <a:xfrm>
+            <a:off x="7747000" y="4574580"/>
+            <a:ext cx="393700" cy="711200"/>
+          </a:xfrm>
+          <a:prstGeom prst="rect">
+            <a:avLst/>
+          </a:prstGeom>
+          <a:solidFill>
+            <a:schemeClr val="accent4">
+              <a:lumMod val="75000"/>
+            </a:schemeClr>
+          </a:solidFill>
+          <a:ln>
+            <a:noFill/>
+          </a:ln>
+        </p:spPr>
+        <p:style>
+          <a:lnRef idx="2">
+            <a:schemeClr val="accent1">
+              <a:shade val="15000"/>
+            </a:schemeClr>
+          </a:lnRef>
+          <a:fillRef idx="1">
+            <a:schemeClr val="accent1"/>
+          </a:fillRef>
+          <a:effectRef idx="0">
+            <a:schemeClr val="accent1"/>
+          </a:effectRef>
+          <a:fontRef idx="minor">
+            <a:schemeClr val="lt1"/>
+          </a:fontRef>
+        </p:style>
+        <p:txBody>
+          <a:bodyPr rtlCol="0" anchor="ctr"/>
+          <a:lstStyle/>
+          <a:p>
+            <a:pPr algn="ctr"/>
+            <a:endParaRPr lang="en-US"/>
+          </a:p>
+        </p:txBody>
+      </p:sp>
+      <p:sp>
+        <p:nvSpPr>
+          <p:cNvPr id="43" name="Rectangle 42">
+            <a:extLst>
+              <a:ext uri="{FF2B5EF4-FFF2-40B4-BE49-F238E27FC236}">
+                <a16:creationId xmlns:a16="http://schemas.microsoft.com/office/drawing/2014/main" id="{C325E3EA-C86F-0D1C-2684-9C048EA9A30F}"/>
+              </a:ext>
+            </a:extLst>
+          </p:cNvPr>
+          <p:cNvSpPr/>
+          <p:nvPr/>
+        </p:nvSpPr>
+        <p:spPr>
+          <a:xfrm>
+            <a:off x="8248650" y="4574580"/>
+            <a:ext cx="393700" cy="711200"/>
+          </a:xfrm>
+          <a:prstGeom prst="rect">
+            <a:avLst/>
+          </a:prstGeom>
+          <a:solidFill>
+            <a:schemeClr val="accent4">
+              <a:lumMod val="75000"/>
+            </a:schemeClr>
+          </a:solidFill>
+          <a:ln>
+            <a:noFill/>
+          </a:ln>
+        </p:spPr>
+        <p:style>
+          <a:lnRef idx="2">
+            <a:schemeClr val="accent1">
+              <a:shade val="15000"/>
+            </a:schemeClr>
+          </a:lnRef>
+          <a:fillRef idx="1">
+            <a:schemeClr val="accent1"/>
+          </a:fillRef>
+          <a:effectRef idx="0">
+            <a:schemeClr val="accent1"/>
+          </a:effectRef>
+          <a:fontRef idx="minor">
+            <a:schemeClr val="lt1"/>
+          </a:fontRef>
+        </p:style>
+        <p:txBody>
+          <a:bodyPr rtlCol="0" anchor="ctr"/>
+          <a:lstStyle/>
+          <a:p>
+            <a:pPr algn="ctr"/>
+            <a:endParaRPr lang="en-US"/>
+          </a:p>
+        </p:txBody>
+      </p:sp>
+      <p:sp>
+        <p:nvSpPr>
+          <p:cNvPr id="44" name="Rectangle 43">
+            <a:extLst>
+              <a:ext uri="{FF2B5EF4-FFF2-40B4-BE49-F238E27FC236}">
+                <a16:creationId xmlns:a16="http://schemas.microsoft.com/office/drawing/2014/main" id="{18BAA3C2-6636-A3A1-FA9B-8D70B34C506D}"/>
+              </a:ext>
+            </a:extLst>
+          </p:cNvPr>
+          <p:cNvSpPr/>
+          <p:nvPr/>
+        </p:nvSpPr>
+        <p:spPr>
+          <a:xfrm>
+            <a:off x="8750300" y="4574580"/>
+            <a:ext cx="393700" cy="711200"/>
+          </a:xfrm>
+          <a:prstGeom prst="rect">
+            <a:avLst/>
+          </a:prstGeom>
+          <a:solidFill>
+            <a:schemeClr val="accent4">
+              <a:lumMod val="75000"/>
+            </a:schemeClr>
+          </a:solidFill>
+          <a:ln>
+            <a:noFill/>
+          </a:ln>
+        </p:spPr>
+        <p:style>
+          <a:lnRef idx="2">
+            <a:schemeClr val="accent1">
+              <a:shade val="15000"/>
+            </a:schemeClr>
+          </a:lnRef>
+          <a:fillRef idx="1">
+            <a:schemeClr val="accent1"/>
+          </a:fillRef>
+          <a:effectRef idx="0">
+            <a:schemeClr val="accent1"/>
+          </a:effectRef>
+          <a:fontRef idx="minor">
+            <a:schemeClr val="lt1"/>
+          </a:fontRef>
+        </p:style>
+        <p:txBody>
+          <a:bodyPr rtlCol="0" anchor="ctr"/>
+          <a:lstStyle/>
+          <a:p>
+            <a:pPr algn="ctr"/>
+            <a:endParaRPr lang="en-US"/>
+          </a:p>
+        </p:txBody>
+      </p:sp>
+      <p:sp>
+        <p:nvSpPr>
+          <p:cNvPr id="45" name="Rectangle 44">
+            <a:extLst>
+              <a:ext uri="{FF2B5EF4-FFF2-40B4-BE49-F238E27FC236}">
+                <a16:creationId xmlns:a16="http://schemas.microsoft.com/office/drawing/2014/main" id="{CEA19817-0FC4-FE92-618B-0BC143ADD821}"/>
+              </a:ext>
+            </a:extLst>
+          </p:cNvPr>
+          <p:cNvSpPr/>
+          <p:nvPr/>
+        </p:nvSpPr>
+        <p:spPr>
+          <a:xfrm>
+            <a:off x="9251950" y="4574580"/>
+            <a:ext cx="393700" cy="711200"/>
+          </a:xfrm>
+          <a:prstGeom prst="rect">
+            <a:avLst/>
+          </a:prstGeom>
+          <a:solidFill>
+            <a:schemeClr val="accent4">
+              <a:lumMod val="75000"/>
+            </a:schemeClr>
+          </a:solidFill>
+          <a:ln>
+            <a:noFill/>
+          </a:ln>
+        </p:spPr>
+        <p:style>
+          <a:lnRef idx="2">
+            <a:schemeClr val="accent1">
+              <a:shade val="15000"/>
+            </a:schemeClr>
+          </a:lnRef>
+          <a:fillRef idx="1">
+            <a:schemeClr val="accent1"/>
+          </a:fillRef>
+          <a:effectRef idx="0">
+            <a:schemeClr val="accent1"/>
+          </a:effectRef>
+          <a:fontRef idx="minor">
+            <a:schemeClr val="lt1"/>
+          </a:fontRef>
+        </p:style>
+        <p:txBody>
+          <a:bodyPr rtlCol="0" anchor="ctr"/>
+          <a:lstStyle/>
+          <a:p>
+            <a:pPr algn="ctr"/>
+            <a:endParaRPr lang="en-US"/>
+          </a:p>
+        </p:txBody>
+      </p:sp>
+      <p:sp>
+        <p:nvSpPr>
+          <p:cNvPr id="46" name="Rectangle 45">
+            <a:extLst>
+              <a:ext uri="{FF2B5EF4-FFF2-40B4-BE49-F238E27FC236}">
+                <a16:creationId xmlns:a16="http://schemas.microsoft.com/office/drawing/2014/main" id="{DFAA6EDC-E311-5425-FC47-364389F8986A}"/>
+              </a:ext>
+            </a:extLst>
+          </p:cNvPr>
+          <p:cNvSpPr/>
+          <p:nvPr/>
+        </p:nvSpPr>
+        <p:spPr>
+          <a:xfrm>
+            <a:off x="9753600" y="4574580"/>
+            <a:ext cx="393700" cy="711200"/>
+          </a:xfrm>
+          <a:prstGeom prst="rect">
+            <a:avLst/>
+          </a:prstGeom>
+          <a:solidFill>
+            <a:schemeClr val="accent4">
+              <a:lumMod val="75000"/>
+            </a:schemeClr>
+          </a:solidFill>
+          <a:ln>
+            <a:noFill/>
+          </a:ln>
+        </p:spPr>
+        <p:style>
+          <a:lnRef idx="2">
+            <a:schemeClr val="accent1">
+              <a:shade val="15000"/>
+            </a:schemeClr>
+          </a:lnRef>
+          <a:fillRef idx="1">
+            <a:schemeClr val="accent1"/>
+          </a:fillRef>
+          <a:effectRef idx="0">
+            <a:schemeClr val="accent1"/>
+          </a:effectRef>
+          <a:fontRef idx="minor">
+            <a:schemeClr val="lt1"/>
+          </a:fontRef>
+        </p:style>
+        <p:txBody>
+          <a:bodyPr rtlCol="0" anchor="ctr"/>
+          <a:lstStyle/>
+          <a:p>
+            <a:pPr algn="ctr"/>
+            <a:endParaRPr lang="en-US"/>
+          </a:p>
+        </p:txBody>
+      </p:sp>
+      <p:sp>
+        <p:nvSpPr>
+          <p:cNvPr id="47" name="Rectangle 46">
+            <a:extLst>
+              <a:ext uri="{FF2B5EF4-FFF2-40B4-BE49-F238E27FC236}">
+                <a16:creationId xmlns:a16="http://schemas.microsoft.com/office/drawing/2014/main" id="{4BEA2DE6-4C01-EE21-490B-BFBA2C22212B}"/>
+              </a:ext>
+            </a:extLst>
+          </p:cNvPr>
+          <p:cNvSpPr/>
+          <p:nvPr/>
+        </p:nvSpPr>
+        <p:spPr>
+          <a:xfrm>
+            <a:off x="10255250" y="4574580"/>
+            <a:ext cx="393700" cy="711200"/>
+          </a:xfrm>
+          <a:prstGeom prst="rect">
+            <a:avLst/>
+          </a:prstGeom>
+          <a:solidFill>
+            <a:schemeClr val="accent4">
+              <a:lumMod val="75000"/>
+            </a:schemeClr>
+          </a:solidFill>
+          <a:ln>
+            <a:noFill/>
+          </a:ln>
+        </p:spPr>
+        <p:style>
+          <a:lnRef idx="2">
+            <a:schemeClr val="accent1">
+              <a:shade val="15000"/>
+            </a:schemeClr>
+          </a:lnRef>
+          <a:fillRef idx="1">
+            <a:schemeClr val="accent1"/>
+          </a:fillRef>
+          <a:effectRef idx="0">
+            <a:schemeClr val="accent1"/>
+          </a:effectRef>
+          <a:fontRef idx="minor">
+            <a:schemeClr val="lt1"/>
+          </a:fontRef>
+        </p:style>
+        <p:txBody>
+          <a:bodyPr rtlCol="0" anchor="ctr"/>
+          <a:lstStyle/>
+          <a:p>
+            <a:pPr algn="ctr"/>
+            <a:endParaRPr lang="en-US"/>
+          </a:p>
+        </p:txBody>
+      </p:sp>
+      <p:sp>
+        <p:nvSpPr>
+          <p:cNvPr id="48" name="Rectangle 47">
+            <a:extLst>
+              <a:ext uri="{FF2B5EF4-FFF2-40B4-BE49-F238E27FC236}">
+                <a16:creationId xmlns:a16="http://schemas.microsoft.com/office/drawing/2014/main" id="{B44926A0-82DF-F4CF-E9A8-2C711CD796D5}"/>
+              </a:ext>
+            </a:extLst>
+          </p:cNvPr>
+          <p:cNvSpPr/>
+          <p:nvPr/>
+        </p:nvSpPr>
+        <p:spPr>
+          <a:xfrm>
+            <a:off x="10756900" y="4574580"/>
+            <a:ext cx="393700" cy="711200"/>
+          </a:xfrm>
+          <a:prstGeom prst="rect">
+            <a:avLst/>
+          </a:prstGeom>
+          <a:solidFill>
+            <a:schemeClr val="accent4">
+              <a:lumMod val="75000"/>
+            </a:schemeClr>
+          </a:solidFill>
+          <a:ln>
+            <a:noFill/>
+          </a:ln>
+        </p:spPr>
+        <p:style>
+          <a:lnRef idx="2">
+            <a:schemeClr val="accent1">
+              <a:shade val="15000"/>
+            </a:schemeClr>
+          </a:lnRef>
+          <a:fillRef idx="1">
+            <a:schemeClr val="accent1"/>
+          </a:fillRef>
+          <a:effectRef idx="0">
+            <a:schemeClr val="accent1"/>
+          </a:effectRef>
+          <a:fontRef idx="minor">
+            <a:schemeClr val="lt1"/>
+          </a:fontRef>
+        </p:style>
+        <p:txBody>
+          <a:bodyPr rtlCol="0" anchor="ctr"/>
+          <a:lstStyle/>
+          <a:p>
+            <a:pPr algn="ctr"/>
+            <a:endParaRPr lang="en-US"/>
+          </a:p>
+        </p:txBody>
+      </p:sp>
+      <p:sp>
+        <p:nvSpPr>
+          <p:cNvPr id="49" name="Rectangle 48">
+            <a:extLst>
+              <a:ext uri="{FF2B5EF4-FFF2-40B4-BE49-F238E27FC236}">
+                <a16:creationId xmlns:a16="http://schemas.microsoft.com/office/drawing/2014/main" id="{784C36A2-D384-32FE-DF5D-B04A10204F2B}"/>
+              </a:ext>
+            </a:extLst>
+          </p:cNvPr>
+          <p:cNvSpPr/>
+          <p:nvPr/>
+        </p:nvSpPr>
+        <p:spPr>
+          <a:xfrm>
+            <a:off x="11258550" y="4574580"/>
+            <a:ext cx="393700" cy="711200"/>
+          </a:xfrm>
+          <a:prstGeom prst="rect">
+            <a:avLst/>
+          </a:prstGeom>
+          <a:solidFill>
+            <a:schemeClr val="accent4">
+              <a:lumMod val="75000"/>
+            </a:schemeClr>
+          </a:solidFill>
+          <a:ln>
+            <a:noFill/>
+          </a:ln>
+        </p:spPr>
+        <p:style>
+          <a:lnRef idx="2">
+            <a:schemeClr val="accent1">
+              <a:shade val="15000"/>
+            </a:schemeClr>
+          </a:lnRef>
+          <a:fillRef idx="1">
+            <a:schemeClr val="accent1"/>
+          </a:fillRef>
+          <a:effectRef idx="0">
+            <a:schemeClr val="accent1"/>
+          </a:effectRef>
+          <a:fontRef idx="minor">
+            <a:schemeClr val="lt1"/>
+          </a:fontRef>
+        </p:style>
+        <p:txBody>
+          <a:bodyPr rtlCol="0" anchor="ctr"/>
+          <a:lstStyle/>
+          <a:p>
+            <a:pPr algn="ctr"/>
+            <a:endParaRPr lang="en-US"/>
+          </a:p>
+        </p:txBody>
+      </p:sp>
+      <p:sp>
+        <p:nvSpPr>
+          <p:cNvPr id="51" name="TextBox 50">
+            <a:extLst>
+              <a:ext uri="{FF2B5EF4-FFF2-40B4-BE49-F238E27FC236}">
+                <a16:creationId xmlns:a16="http://schemas.microsoft.com/office/drawing/2014/main" id="{94D281A4-FFD4-1818-6109-D63358EC957B}"/>
+              </a:ext>
+            </a:extLst>
+          </p:cNvPr>
+          <p:cNvSpPr txBox="1"/>
+          <p:nvPr/>
+        </p:nvSpPr>
+        <p:spPr>
+          <a:xfrm>
+            <a:off x="101600" y="4699347"/>
+            <a:ext cx="1568450" cy="461665"/>
+          </a:xfrm>
+          <a:prstGeom prst="rect">
+            <a:avLst/>
+          </a:prstGeom>
+          <a:noFill/>
+        </p:spPr>
+        <p:txBody>
+          <a:bodyPr wrap="square" rtlCol="0">
+            <a:spAutoFit/>
+          </a:bodyPr>
+          <a:lstStyle/>
+          <a:p>
+            <a:pPr algn="r"/>
+            <a:r>
+              <a:rPr lang="en-US" sz="2400" dirty="0">
+                <a:solidFill>
+                  <a:schemeClr val="accent4">
+                    <a:lumMod val="50000"/>
+                  </a:schemeClr>
+                </a:solidFill>
+              </a:rPr>
+              <a:t>Encodec id</a:t>
+            </a:r>
+          </a:p>
+        </p:txBody>
+      </p:sp>
+      <p:sp>
+        <p:nvSpPr>
+          <p:cNvPr id="52" name="Rectangle: Rounded Corners 51">
+            <a:extLst>
+              <a:ext uri="{FF2B5EF4-FFF2-40B4-BE49-F238E27FC236}">
+                <a16:creationId xmlns:a16="http://schemas.microsoft.com/office/drawing/2014/main" id="{8C04AA3E-F143-DD66-E8F5-344E68A66BB1}"/>
+              </a:ext>
+            </a:extLst>
+          </p:cNvPr>
+          <p:cNvSpPr/>
+          <p:nvPr/>
+        </p:nvSpPr>
+        <p:spPr>
+          <a:xfrm>
+            <a:off x="1727200" y="3357960"/>
+            <a:ext cx="6915150" cy="641350"/>
+          </a:xfrm>
+          <a:prstGeom prst="roundRect">
+            <a:avLst/>
+          </a:prstGeom>
+          <a:solidFill>
+            <a:schemeClr val="accent6">
+              <a:lumMod val="50000"/>
+            </a:schemeClr>
+          </a:solidFill>
+          <a:ln>
+            <a:noFill/>
+          </a:ln>
+        </p:spPr>
+        <p:style>
+          <a:lnRef idx="2">
+            <a:schemeClr val="accent1">
+              <a:shade val="15000"/>
+            </a:schemeClr>
+          </a:lnRef>
+          <a:fillRef idx="1">
+            <a:schemeClr val="accent1"/>
+          </a:fillRef>
+          <a:effectRef idx="0">
+            <a:schemeClr val="accent1"/>
+          </a:effectRef>
+          <a:fontRef idx="minor">
+            <a:schemeClr val="lt1"/>
+          </a:fontRef>
+        </p:style>
+        <p:txBody>
+          <a:bodyPr rtlCol="0" anchor="ctr"/>
+          <a:lstStyle/>
+          <a:p>
+            <a:pPr algn="ctr"/>
+            <a:r>
+              <a:rPr lang="en-US" sz="2400" dirty="0"/>
+              <a:t>MusicGen</a:t>
+            </a:r>
+          </a:p>
+        </p:txBody>
+      </p:sp>
+      <p:sp>
+        <p:nvSpPr>
+          <p:cNvPr id="53" name="Rectangle 52">
+            <a:extLst>
+              <a:ext uri="{FF2B5EF4-FFF2-40B4-BE49-F238E27FC236}">
+                <a16:creationId xmlns:a16="http://schemas.microsoft.com/office/drawing/2014/main" id="{7E1A6253-8CC9-694D-B6C9-ECD3459BF30E}"/>
+              </a:ext>
+            </a:extLst>
+          </p:cNvPr>
+          <p:cNvSpPr/>
+          <p:nvPr/>
+        </p:nvSpPr>
+        <p:spPr>
+          <a:xfrm>
+            <a:off x="8248650" y="2018704"/>
+            <a:ext cx="393700" cy="711200"/>
+          </a:xfrm>
+          <a:prstGeom prst="rect">
+            <a:avLst/>
+          </a:prstGeom>
+          <a:solidFill>
+            <a:schemeClr val="accent1">
+              <a:lumMod val="75000"/>
+            </a:schemeClr>
+          </a:solidFill>
+          <a:ln>
+            <a:noFill/>
+          </a:ln>
+        </p:spPr>
+        <p:style>
+          <a:lnRef idx="2">
+            <a:schemeClr val="accent1">
+              <a:shade val="15000"/>
+            </a:schemeClr>
+          </a:lnRef>
+          <a:fillRef idx="1">
+            <a:schemeClr val="accent1"/>
+          </a:fillRef>
+          <a:effectRef idx="0">
+            <a:schemeClr val="accent1"/>
+          </a:effectRef>
+          <a:fontRef idx="minor">
+            <a:schemeClr val="lt1"/>
+          </a:fontRef>
+        </p:style>
+        <p:txBody>
+          <a:bodyPr rtlCol="0" anchor="ctr"/>
+          <a:lstStyle/>
+          <a:p>
+            <a:pPr algn="ctr"/>
+            <a:endParaRPr lang="en-US"/>
+          </a:p>
+        </p:txBody>
+      </p:sp>
+      <p:sp>
+        <p:nvSpPr>
+          <p:cNvPr id="54" name="TextBox 53">
+            <a:extLst>
+              <a:ext uri="{FF2B5EF4-FFF2-40B4-BE49-F238E27FC236}">
+                <a16:creationId xmlns:a16="http://schemas.microsoft.com/office/drawing/2014/main" id="{72729CCA-8248-0443-BC1B-34C4777DD4A4}"/>
+              </a:ext>
+            </a:extLst>
+          </p:cNvPr>
+          <p:cNvSpPr txBox="1"/>
+          <p:nvPr/>
+        </p:nvSpPr>
+        <p:spPr>
+          <a:xfrm>
+            <a:off x="6959600" y="2143472"/>
+            <a:ext cx="1289050" cy="461665"/>
+          </a:xfrm>
+          <a:prstGeom prst="rect">
+            <a:avLst/>
+          </a:prstGeom>
+          <a:noFill/>
+        </p:spPr>
+        <p:txBody>
+          <a:bodyPr wrap="square" rtlCol="0">
+            <a:spAutoFit/>
+          </a:bodyPr>
+          <a:lstStyle/>
+          <a:p>
+            <a:pPr algn="r"/>
+            <a:r>
+              <a:rPr lang="en-US" sz="2400" dirty="0">
+                <a:solidFill>
+                  <a:schemeClr val="accent1">
+                    <a:lumMod val="50000"/>
+                  </a:schemeClr>
+                </a:solidFill>
+              </a:rPr>
+              <a:t>Logits</a:t>
+            </a:r>
+          </a:p>
+        </p:txBody>
+      </p:sp>
+      <p:sp>
+        <p:nvSpPr>
+          <p:cNvPr id="55" name="Oval 54">
+            <a:extLst>
+              <a:ext uri="{FF2B5EF4-FFF2-40B4-BE49-F238E27FC236}">
+                <a16:creationId xmlns:a16="http://schemas.microsoft.com/office/drawing/2014/main" id="{B7F97757-AA49-232F-D439-CC1A2FDEA484}"/>
+              </a:ext>
+            </a:extLst>
+          </p:cNvPr>
+          <p:cNvSpPr/>
+          <p:nvPr/>
+        </p:nvSpPr>
+        <p:spPr>
+          <a:xfrm>
+            <a:off x="8341000" y="776685"/>
+            <a:ext cx="716997" cy="711200"/>
+          </a:xfrm>
+          <a:prstGeom prst="ellipse">
+            <a:avLst/>
+          </a:prstGeom>
+          <a:solidFill>
+            <a:srgbClr val="A20000"/>
+          </a:solidFill>
+          <a:ln>
+            <a:noFill/>
+          </a:ln>
+        </p:spPr>
+        <p:style>
+          <a:lnRef idx="2">
+            <a:schemeClr val="accent1">
+              <a:shade val="15000"/>
+            </a:schemeClr>
+          </a:lnRef>
+          <a:fillRef idx="1">
+            <a:schemeClr val="accent1"/>
+          </a:fillRef>
+          <a:effectRef idx="0">
+            <a:schemeClr val="accent1"/>
+          </a:effectRef>
+          <a:fontRef idx="minor">
+            <a:schemeClr val="lt1"/>
+          </a:fontRef>
+        </p:style>
+        <p:txBody>
+          <a:bodyPr wrap="none" lIns="0" tIns="0" rIns="0" bIns="0" rtlCol="0" anchor="ctr"/>
+          <a:lstStyle/>
+          <a:p>
+            <a:pPr algn="ctr"/>
+            <a:r>
+              <a:rPr lang="en-US" sz="2400" dirty="0"/>
+              <a:t>loss</a:t>
+            </a:r>
+          </a:p>
+        </p:txBody>
+      </p:sp>
+      <p:sp>
+        <p:nvSpPr>
+          <p:cNvPr id="61" name="Rectangle 60">
+            <a:extLst>
+              <a:ext uri="{FF2B5EF4-FFF2-40B4-BE49-F238E27FC236}">
+                <a16:creationId xmlns:a16="http://schemas.microsoft.com/office/drawing/2014/main" id="{38AAB6E4-DDE8-F669-8D3B-1EDC2CBC9CD2}"/>
+              </a:ext>
+            </a:extLst>
+          </p:cNvPr>
+          <p:cNvSpPr/>
+          <p:nvPr/>
+        </p:nvSpPr>
+        <p:spPr>
+          <a:xfrm>
+            <a:off x="1670050" y="4514680"/>
+            <a:ext cx="7016750" cy="830997"/>
+          </a:xfrm>
+          <a:prstGeom prst="rect">
+            <a:avLst/>
+          </a:prstGeom>
+          <a:ln w="38100">
+            <a:solidFill>
+              <a:schemeClr val="tx1"/>
+            </a:solidFill>
+          </a:ln>
+        </p:spPr>
+        <p:style>
+          <a:lnRef idx="1">
+            <a:schemeClr val="accent1"/>
+          </a:lnRef>
+          <a:fillRef idx="0">
+            <a:schemeClr val="accent1"/>
+          </a:fillRef>
+          <a:effectRef idx="0">
+            <a:schemeClr val="accent1"/>
+          </a:effectRef>
+          <a:fontRef idx="minor">
+            <a:schemeClr val="tx1"/>
+          </a:fontRef>
+        </p:style>
+        <p:txBody>
+          <a:bodyPr rtlCol="0" anchor="ctr"/>
+          <a:lstStyle/>
+          <a:p>
+            <a:pPr algn="ctr"/>
+            <a:endParaRPr lang="en-US"/>
+          </a:p>
+        </p:txBody>
+      </p:sp>
+      <p:cxnSp>
+        <p:nvCxnSpPr>
+          <p:cNvPr id="67" name="Straight Arrow Connector 66">
+            <a:extLst>
+              <a:ext uri="{FF2B5EF4-FFF2-40B4-BE49-F238E27FC236}">
+                <a16:creationId xmlns:a16="http://schemas.microsoft.com/office/drawing/2014/main" id="{7F87182B-3B1F-3B92-A338-1413E801D9CD}"/>
+              </a:ext>
+            </a:extLst>
+          </p:cNvPr>
+          <p:cNvCxnSpPr>
+            <a:cxnSpLocks/>
+            <a:stCxn id="61" idx="0"/>
+            <a:endCxn id="52" idx="2"/>
+          </p:cNvCxnSpPr>
+          <p:nvPr/>
+        </p:nvCxnSpPr>
+        <p:spPr>
+          <a:xfrm flipV="1">
+            <a:off x="5178425" y="3999310"/>
+            <a:ext cx="6350" cy="515370"/>
+          </a:xfrm>
+          <a:prstGeom prst="straightConnector1">
+            <a:avLst/>
+          </a:prstGeom>
+          <a:ln w="38100">
+            <a:solidFill>
+              <a:schemeClr val="tx1"/>
+            </a:solidFill>
+            <a:tailEnd type="stealth" w="lg" len="lg"/>
+          </a:ln>
+        </p:spPr>
+        <p:style>
+          <a:lnRef idx="1">
+            <a:schemeClr val="accent1"/>
+          </a:lnRef>
+          <a:fillRef idx="0">
+            <a:schemeClr val="accent1"/>
+          </a:fillRef>
+          <a:effectRef idx="0">
+            <a:schemeClr val="accent1"/>
+          </a:effectRef>
+          <a:fontRef idx="minor">
+            <a:schemeClr val="tx1"/>
+          </a:fontRef>
+        </p:style>
+      </p:cxnSp>
+      <p:cxnSp>
+        <p:nvCxnSpPr>
+          <p:cNvPr id="75" name="Straight Arrow Connector 74">
+            <a:extLst>
+              <a:ext uri="{FF2B5EF4-FFF2-40B4-BE49-F238E27FC236}">
+                <a16:creationId xmlns:a16="http://schemas.microsoft.com/office/drawing/2014/main" id="{DFD979BF-0731-4798-9F3B-CEEE6C9FEFC3}"/>
+              </a:ext>
+            </a:extLst>
+          </p:cNvPr>
+          <p:cNvCxnSpPr>
+            <a:cxnSpLocks/>
+            <a:stCxn id="53" idx="0"/>
+            <a:endCxn id="55" idx="3"/>
+          </p:cNvCxnSpPr>
+          <p:nvPr/>
+        </p:nvCxnSpPr>
+        <p:spPr>
+          <a:xfrm flipV="1">
+            <a:off x="8445500" y="1383732"/>
+            <a:ext cx="502" cy="634972"/>
+          </a:xfrm>
+          <a:prstGeom prst="straightConnector1">
+            <a:avLst/>
+          </a:prstGeom>
+          <a:ln w="38100">
+            <a:solidFill>
+              <a:schemeClr val="tx1"/>
+            </a:solidFill>
+            <a:tailEnd type="stealth" w="lg" len="lg"/>
+          </a:ln>
+        </p:spPr>
+        <p:style>
+          <a:lnRef idx="1">
+            <a:schemeClr val="accent1"/>
+          </a:lnRef>
+          <a:fillRef idx="0">
+            <a:schemeClr val="accent1"/>
+          </a:fillRef>
+          <a:effectRef idx="0">
+            <a:schemeClr val="accent1"/>
+          </a:effectRef>
+          <a:fontRef idx="minor">
+            <a:schemeClr val="tx1"/>
+          </a:fontRef>
+        </p:style>
+      </p:cxnSp>
+      <p:cxnSp>
+        <p:nvCxnSpPr>
+          <p:cNvPr id="78" name="Straight Arrow Connector 77">
+            <a:extLst>
+              <a:ext uri="{FF2B5EF4-FFF2-40B4-BE49-F238E27FC236}">
+                <a16:creationId xmlns:a16="http://schemas.microsoft.com/office/drawing/2014/main" id="{BB42B161-F271-9AB9-E7D1-33258ABEF991}"/>
+              </a:ext>
+            </a:extLst>
+          </p:cNvPr>
+          <p:cNvCxnSpPr>
+            <a:cxnSpLocks/>
+            <a:stCxn id="44" idx="0"/>
+            <a:endCxn id="55" idx="5"/>
+          </p:cNvCxnSpPr>
+          <p:nvPr/>
+        </p:nvCxnSpPr>
+        <p:spPr>
+          <a:xfrm flipV="1">
+            <a:off x="8947150" y="1383732"/>
+            <a:ext cx="5845" cy="3190848"/>
+          </a:xfrm>
+          <a:prstGeom prst="straightConnector1">
+            <a:avLst/>
+          </a:prstGeom>
+          <a:ln w="38100">
+            <a:solidFill>
+              <a:schemeClr val="tx1"/>
+            </a:solidFill>
+            <a:tailEnd type="stealth" w="lg" len="lg"/>
+          </a:ln>
+        </p:spPr>
+        <p:style>
+          <a:lnRef idx="1">
+            <a:schemeClr val="accent1"/>
+          </a:lnRef>
+          <a:fillRef idx="0">
+            <a:schemeClr val="accent1"/>
+          </a:fillRef>
+          <a:effectRef idx="0">
+            <a:schemeClr val="accent1"/>
+          </a:effectRef>
+          <a:fontRef idx="minor">
+            <a:schemeClr val="tx1"/>
+          </a:fontRef>
+        </p:style>
+      </p:cxnSp>
+      <mc:AlternateContent xmlns:mc="http://schemas.openxmlformats.org/markup-compatibility/2006" xmlns:a14="http://schemas.microsoft.com/office/drawing/2010/main">
+        <mc:Choice Requires="a14">
+          <p:sp>
+            <p:nvSpPr>
+              <p:cNvPr id="118" name="TextBox 117">
+                <a:extLst>
+                  <a:ext uri="{FF2B5EF4-FFF2-40B4-BE49-F238E27FC236}">
+                    <a16:creationId xmlns:a16="http://schemas.microsoft.com/office/drawing/2014/main" id="{8955573E-0DA0-73BF-790E-7F8978816EA0}"/>
+                  </a:ext>
+                </a:extLst>
+              </p:cNvPr>
+              <p:cNvSpPr txBox="1"/>
+              <p:nvPr/>
+            </p:nvSpPr>
+            <p:spPr>
+              <a:xfrm>
+                <a:off x="825010" y="819088"/>
+                <a:ext cx="4814279" cy="1137940"/>
+              </a:xfrm>
+              <a:prstGeom prst="rect">
+                <a:avLst/>
+              </a:prstGeom>
+              <a:noFill/>
+            </p:spPr>
+            <p:txBody>
+              <a:bodyPr wrap="square" rtlCol="0">
+                <a:spAutoFit/>
+              </a:bodyPr>
+              <a:lstStyle/>
+              <a:p>
+                <a:pPr algn="ctr"/>
+                <a14:m>
+                  <m:oMathPara xmlns:m="http://schemas.openxmlformats.org/officeDocument/2006/math">
+                    <m:oMathParaPr>
+                      <m:jc m:val="center"/>
+                    </m:oMathParaPr>
+                    <m:oMath xmlns:m="http://schemas.openxmlformats.org/officeDocument/2006/math">
+                      <m:r>
+                        <a:rPr lang="en-US" sz="2800" b="0" i="1" smtClean="0">
+                          <a:latin typeface="Cambria Math" panose="02040503050406030204" pitchFamily="18" charset="0"/>
+                          <a:ea typeface="Cambria Math" panose="02040503050406030204" pitchFamily="18" charset="0"/>
+                        </a:rPr>
+                        <m:t>ℒ</m:t>
+                      </m:r>
+                      <m:r>
+                        <a:rPr lang="en-US" sz="2800" b="0" i="1" smtClean="0">
+                          <a:latin typeface="Cambria Math" panose="02040503050406030204" pitchFamily="18" charset="0"/>
+                          <a:ea typeface="Cambria Math" panose="02040503050406030204" pitchFamily="18" charset="0"/>
+                        </a:rPr>
+                        <m:t> =</m:t>
+                      </m:r>
+                      <m:nary>
+                        <m:naryPr>
+                          <m:chr m:val="∑"/>
+                          <m:supHide m:val="on"/>
+                          <m:ctrlPr>
+                            <a:rPr lang="en-US" sz="2800" i="1" smtClean="0">
+                              <a:latin typeface="Cambria Math" panose="02040503050406030204" pitchFamily="18" charset="0"/>
+                            </a:rPr>
+                          </m:ctrlPr>
+                        </m:naryPr>
+                        <m:sub>
+                          <m:r>
+                            <m:rPr>
+                              <m:brk m:alnAt="7"/>
+                            </m:rPr>
+                            <a:rPr lang="en-US" sz="2800" b="0" i="1" smtClean="0">
+                              <a:latin typeface="Cambria Math" panose="02040503050406030204" pitchFamily="18" charset="0"/>
+                            </a:rPr>
+                            <m:t>𝑡</m:t>
+                          </m:r>
+                        </m:sub>
+                        <m:sup/>
+                        <m:e>
+                          <m:sSub>
+                            <m:sSubPr>
+                              <m:ctrlPr>
+                                <a:rPr lang="en-US" sz="2800" b="0" i="1" smtClean="0">
+                                  <a:latin typeface="Cambria Math" panose="02040503050406030204" pitchFamily="18" charset="0"/>
+                                </a:rPr>
+                              </m:ctrlPr>
+                            </m:sSubPr>
+                            <m:e>
+                              <m:r>
+                                <m:rPr>
+                                  <m:sty m:val="p"/>
+                                </m:rPr>
+                                <a:rPr lang="en-US" sz="2800" b="0" i="0" smtClean="0">
+                                  <a:solidFill>
+                                    <a:srgbClr val="A20000"/>
+                                  </a:solidFill>
+                                  <a:latin typeface="Cambria Math" panose="02040503050406030204" pitchFamily="18" charset="0"/>
+                                </a:rPr>
+                                <m:t>loss</m:t>
+                              </m:r>
+                            </m:e>
+                            <m:sub>
+                              <m:r>
+                                <a:rPr lang="en-US" sz="2800" b="0" i="1" smtClean="0">
+                                  <a:latin typeface="Cambria Math" panose="02040503050406030204" pitchFamily="18" charset="0"/>
+                                </a:rPr>
+                                <m:t>𝑡</m:t>
+                              </m:r>
+                            </m:sub>
+                          </m:sSub>
+                        </m:e>
+                      </m:nary>
+                    </m:oMath>
+                  </m:oMathPara>
+                </a14:m>
+                <a:br>
+                  <a:rPr lang="en-US" sz="2800" b="0" dirty="0"/>
+                </a:br>
+                <a:endParaRPr lang="en-US" sz="2800" dirty="0"/>
+              </a:p>
+            </p:txBody>
+          </p:sp>
+        </mc:Choice>
+        <mc:Fallback xmlns="">
+          <p:sp>
+            <p:nvSpPr>
+              <p:cNvPr id="118" name="TextBox 117">
+                <a:extLst>
+                  <a:ext uri="{FF2B5EF4-FFF2-40B4-BE49-F238E27FC236}">
+                    <a16:creationId xmlns:a16="http://schemas.microsoft.com/office/drawing/2014/main" id="{8955573E-0DA0-73BF-790E-7F8978816EA0}"/>
+                  </a:ext>
+                </a:extLst>
+              </p:cNvPr>
+              <p:cNvSpPr txBox="1">
+                <a:spLocks noRot="1" noChangeAspect="1" noMove="1" noResize="1" noEditPoints="1" noAdjustHandles="1" noChangeArrowheads="1" noChangeShapeType="1" noTextEdit="1"/>
+              </p:cNvSpPr>
+              <p:nvPr/>
+            </p:nvSpPr>
+            <p:spPr>
+              <a:xfrm>
+                <a:off x="825010" y="819088"/>
+                <a:ext cx="4814279" cy="1137940"/>
+              </a:xfrm>
+              <a:prstGeom prst="rect">
+                <a:avLst/>
+              </a:prstGeom>
+              <a:blipFill>
+                <a:blip r:embed="rId3"/>
+                <a:stretch>
+                  <a:fillRect/>
+                </a:stretch>
+              </a:blipFill>
+            </p:spPr>
+            <p:txBody>
+              <a:bodyPr/>
+              <a:lstStyle/>
+              <a:p>
+                <a:r>
+                  <a:rPr lang="en-US">
+                    <a:noFill/>
+                  </a:rPr>
+                  <a:t> </a:t>
+                </a:r>
+              </a:p>
+            </p:txBody>
+          </p:sp>
+        </mc:Fallback>
+      </mc:AlternateContent>
+    </p:spTree>
+    <p:extLst>
+      <p:ext uri="{BB962C8B-B14F-4D97-AF65-F5344CB8AC3E}">
+        <p14:creationId xmlns:p14="http://schemas.microsoft.com/office/powerpoint/2010/main" val="1843446692"/>
+      </p:ext>
+    </p:extLst>
+  </p:cSld>
+  <p:clrMapOvr>
+    <a:masterClrMapping/>
+  </p:clrMapOvr>
+</p:sld>
+</file>
+
+<file path=ppt/slides/slide3.xml><?xml version="1.0" encoding="utf-8"?>
+<p:sld xmlns:a="http://schemas.openxmlformats.org/drawingml/2006/main" xmlns:r="http://schemas.openxmlformats.org/officeDocument/2006/relationships" xmlns:p="http://schemas.openxmlformats.org/presentationml/2006/main">
+  <p:cSld>
+    <p:spTree>
+      <p:nvGrpSpPr>
+        <p:cNvPr id="1" name=""/>
+        <p:cNvGrpSpPr/>
+        <p:nvPr/>
+      </p:nvGrpSpPr>
+      <p:grpSpPr>
+        <a:xfrm>
+          <a:off x="0" y="0"/>
+          <a:ext cx="0" cy="0"/>
+          <a:chOff x="0" y="0"/>
+          <a:chExt cx="0" cy="0"/>
+        </a:xfrm>
+      </p:grpSpPr>
+      <p:sp>
+        <p:nvSpPr>
+          <p:cNvPr id="2" name="Title 1">
+            <a:extLst>
+              <a:ext uri="{FF2B5EF4-FFF2-40B4-BE49-F238E27FC236}">
+                <a16:creationId xmlns:a16="http://schemas.microsoft.com/office/drawing/2014/main" id="{E3A89EC3-C554-AEFD-46E0-44D8A7CB4FA4}"/>
+              </a:ext>
+            </a:extLst>
+          </p:cNvPr>
+          <p:cNvSpPr>
+            <a:spLocks noGrp="1"/>
+          </p:cNvSpPr>
+          <p:nvPr>
+            <p:ph type="title"/>
+          </p:nvPr>
+        </p:nvSpPr>
+        <p:spPr/>
+        <p:txBody>
+          <a:bodyPr/>
+          <a:lstStyle/>
+          <a:p>
+            <a:r>
+              <a:rPr lang="en-US" dirty="0"/>
+              <a:t>Loss</a:t>
+            </a:r>
+          </a:p>
+        </p:txBody>
+      </p:sp>
+      <p:sp>
+        <p:nvSpPr>
+          <p:cNvPr id="3" name="Content Placeholder 2">
+            <a:extLst>
+              <a:ext uri="{FF2B5EF4-FFF2-40B4-BE49-F238E27FC236}">
+                <a16:creationId xmlns:a16="http://schemas.microsoft.com/office/drawing/2014/main" id="{9EAA8BE9-5866-C9F5-9B8B-DF1D5B4F6AF0}"/>
+              </a:ext>
+            </a:extLst>
+          </p:cNvPr>
+          <p:cNvSpPr>
+            <a:spLocks noGrp="1"/>
+          </p:cNvSpPr>
+          <p:nvPr>
+            <p:ph idx="1"/>
+          </p:nvPr>
+        </p:nvSpPr>
+        <p:spPr/>
+        <p:txBody>
+          <a:bodyPr/>
+          <a:lstStyle/>
+          <a:p>
+            <a:r>
+              <a:rPr lang="en-US" dirty="0"/>
+              <a:t>Logits p = piano(interpreter(score)).</a:t>
+            </a:r>
+          </a:p>
+          <a:p>
+            <a:r>
+              <a:rPr lang="en-US" dirty="0"/>
+              <a:t>sample(.) is logit -&gt; </a:t>
+            </a:r>
+            <a:r>
+              <a:rPr lang="en-US" dirty="0" err="1"/>
+              <a:t>onehot</a:t>
+            </a:r>
+            <a:r>
+              <a:rPr lang="en-US" dirty="0"/>
+              <a:t>, with a straight-through backward.</a:t>
+            </a:r>
+          </a:p>
+          <a:p>
+            <a:r>
+              <a:rPr lang="en-US" dirty="0"/>
+              <a:t>Let s = sample(p).</a:t>
+            </a:r>
+          </a:p>
+          <a:p>
+            <a:r>
+              <a:rPr lang="en-US" dirty="0"/>
+              <a:t>Let logits t = </a:t>
+            </a:r>
+            <a:r>
+              <a:rPr lang="en-US" dirty="0" err="1"/>
+              <a:t>MusicGenTFDecoder</a:t>
+            </a:r>
+            <a:r>
+              <a:rPr lang="en-US" dirty="0"/>
+              <a:t>(s). </a:t>
+            </a:r>
+          </a:p>
+          <a:p>
+            <a:r>
+              <a:rPr lang="en-US" dirty="0"/>
+              <a:t>Loss += CE(t, </a:t>
+            </a:r>
+            <a:r>
+              <a:rPr lang="en-US" dirty="0" err="1"/>
+              <a:t>s.argmax</a:t>
+            </a:r>
+            <a:r>
+              <a:rPr lang="en-US" dirty="0"/>
+              <a:t>()), where argmax stops grad.</a:t>
+            </a:r>
+          </a:p>
+          <a:p>
+            <a:r>
+              <a:rPr lang="en-US" dirty="0"/>
+              <a:t>Loss += (</a:t>
+            </a:r>
+            <a:r>
+              <a:rPr lang="en-US" dirty="0" err="1"/>
+              <a:t>p.softmax</a:t>
+            </a:r>
+            <a:r>
+              <a:rPr lang="en-US" dirty="0"/>
+              <a:t>() * sample(t).detach()).sum()</a:t>
+            </a:r>
+          </a:p>
+        </p:txBody>
+      </p:sp>
+    </p:spTree>
+    <p:extLst>
+      <p:ext uri="{BB962C8B-B14F-4D97-AF65-F5344CB8AC3E}">
+        <p14:creationId xmlns:p14="http://schemas.microsoft.com/office/powerpoint/2010/main" val="2844511017"/>
+      </p:ext>
+    </p:extLst>
+  </p:cSld>
+  <p:clrMapOvr>
+    <a:masterClrMapping/>
+  </p:clrMapOvr>
+</p:sld>
+</file>
+
+<file path=ppt/slides/slide4.xml><?xml version="1.0" encoding="utf-8"?>
+<p:sld xmlns:a="http://schemas.openxmlformats.org/drawingml/2006/main" xmlns:r="http://schemas.openxmlformats.org/officeDocument/2006/relationships" xmlns:p="http://schemas.openxmlformats.org/presentationml/2006/main">
+  <p:cSld>
+    <p:spTree>
+      <p:nvGrpSpPr>
+        <p:cNvPr id="1" name=""/>
+        <p:cNvGrpSpPr/>
+        <p:nvPr/>
+      </p:nvGrpSpPr>
+      <p:grpSpPr>
+        <a:xfrm>
+          <a:off x="0" y="0"/>
+          <a:ext cx="0" cy="0"/>
+          <a:chOff x="0" y="0"/>
+          <a:chExt cx="0" cy="0"/>
+        </a:xfrm>
+      </p:grpSpPr>
       <p:sp>
         <p:nvSpPr>
           <p:cNvPr id="2" name="Title 1">
@@ -3428,7 +6926,7 @@
 </p:sld>
 </file>
 
-<file path=ppt/slides/slide2.xml><?xml version="1.0" encoding="utf-8"?>
+<file path=ppt/slides/slide5.xml><?xml version="1.0" encoding="utf-8"?>
 <p:sld xmlns:a="http://schemas.openxmlformats.org/drawingml/2006/main" xmlns:r="http://schemas.openxmlformats.org/officeDocument/2006/relationships" xmlns:p="http://schemas.openxmlformats.org/presentationml/2006/main">
   <p:cSld>
     <p:spTree>
